--- a/Linguaggi_metodologie_programmazione/prolog/slide/09_Lezione_AlberiBilanciati_ZNZ.pptx
+++ b/Linguaggi_metodologie_programmazione/prolog/slide/09_Lezione_AlberiBilanciati_ZNZ.pptx
@@ -5,10 +5,10 @@
     <p:sldMasterId id="2147483649" r:id="rId1"/>
   </p:sldMasterIdLst>
   <p:notesMasterIdLst>
-    <p:notesMasterId r:id="rId16"/>
+    <p:notesMasterId r:id="rId17"/>
   </p:notesMasterIdLst>
   <p:handoutMasterIdLst>
-    <p:handoutMasterId r:id="rId17"/>
+    <p:handoutMasterId r:id="rId18"/>
   </p:handoutMasterIdLst>
   <p:sldIdLst>
     <p:sldId id="413" r:id="rId2"/>
@@ -16,15 +16,16 @@
     <p:sldId id="415" r:id="rId4"/>
     <p:sldId id="416" r:id="rId5"/>
     <p:sldId id="417" r:id="rId6"/>
-    <p:sldId id="418" r:id="rId7"/>
-    <p:sldId id="419" r:id="rId8"/>
-    <p:sldId id="420" r:id="rId9"/>
-    <p:sldId id="421" r:id="rId10"/>
-    <p:sldId id="422" r:id="rId11"/>
-    <p:sldId id="425" r:id="rId12"/>
-    <p:sldId id="423" r:id="rId13"/>
-    <p:sldId id="424" r:id="rId14"/>
-    <p:sldId id="426" r:id="rId15"/>
+    <p:sldId id="427" r:id="rId7"/>
+    <p:sldId id="418" r:id="rId8"/>
+    <p:sldId id="419" r:id="rId9"/>
+    <p:sldId id="420" r:id="rId10"/>
+    <p:sldId id="421" r:id="rId11"/>
+    <p:sldId id="422" r:id="rId12"/>
+    <p:sldId id="425" r:id="rId13"/>
+    <p:sldId id="423" r:id="rId14"/>
+    <p:sldId id="424" r:id="rId15"/>
+    <p:sldId id="426" r:id="rId16"/>
   </p:sldIdLst>
   <p:sldSz cx="9144000" cy="6858000" type="screen4x3"/>
   <p:notesSz cx="6681788" cy="9817100"/>
@@ -153,6 +154,22 @@
       </a:defRPr>
     </a:lvl9pPr>
   </p:defaultTextStyle>
+  <p:extLst>
+    <p:ext uri="{EFAFB233-063F-42B5-8137-9DF3F51BA10A}">
+      <p15:sldGuideLst xmlns:p15="http://schemas.microsoft.com/office/powerpoint/2012/main">
+        <p15:guide id="1" orient="horz" pos="2160">
+          <p15:clr>
+            <a:srgbClr val="A4A3A4"/>
+          </p15:clr>
+        </p15:guide>
+        <p15:guide id="2" pos="2880">
+          <p15:clr>
+            <a:srgbClr val="A4A3A4"/>
+          </p15:clr>
+        </p15:guide>
+      </p15:sldGuideLst>
+    </p:ext>
+  </p:extLst>
 </p:presentation>
 </file>
 
@@ -466,7 +483,7 @@
             <a:fld id="{7220D4B4-DB4A-4951-846C-1595D423D78F}" type="datetimeFigureOut">
               <a:rPr lang="it-IT" smtClean="0"/>
               <a:pPr/>
-              <a:t>13/11/2012</a:t>
+              <a:t>12/09/2025</a:t>
             </a:fld>
             <a:endParaRPr lang="it-IT"/>
           </a:p>
@@ -532,38 +549,37 @@
           <a:p>
             <a:pPr lvl="0"/>
             <a:r>
-              <a:rPr lang="it-IT" smtClean="0"/>
+              <a:rPr lang="it-IT"/>
               <a:t>Fare clic per modificare stili del testo dello schema</a:t>
             </a:r>
           </a:p>
           <a:p>
             <a:pPr lvl="1"/>
             <a:r>
-              <a:rPr lang="it-IT" smtClean="0"/>
+              <a:rPr lang="it-IT"/>
               <a:t>Secondo livello</a:t>
             </a:r>
           </a:p>
           <a:p>
             <a:pPr lvl="2"/>
             <a:r>
-              <a:rPr lang="it-IT" smtClean="0"/>
+              <a:rPr lang="it-IT"/>
               <a:t>Terzo livello</a:t>
             </a:r>
           </a:p>
           <a:p>
             <a:pPr lvl="3"/>
             <a:r>
-              <a:rPr lang="it-IT" smtClean="0"/>
+              <a:rPr lang="it-IT"/>
               <a:t>Quarto livello</a:t>
             </a:r>
           </a:p>
           <a:p>
             <a:pPr lvl="4"/>
             <a:r>
-              <a:rPr lang="it-IT" smtClean="0"/>
+              <a:rPr lang="it-IT"/>
               <a:t>Quinto livello</a:t>
             </a:r>
-            <a:endParaRPr lang="it-IT"/>
           </a:p>
         </p:txBody>
       </p:sp>
@@ -897,10 +913,9 @@
           <a:lstStyle/>
           <a:p>
             <a:r>
-              <a:rPr lang="it-IT" smtClean="0"/>
+              <a:rPr lang="it-IT"/>
               <a:t>Fare clic per modificare lo stile del titolo</a:t>
             </a:r>
-            <a:endParaRPr lang="it-IT"/>
           </a:p>
         </p:txBody>
       </p:sp>
@@ -921,38 +936,37 @@
           <a:p>
             <a:pPr lvl="0"/>
             <a:r>
-              <a:rPr lang="it-IT" smtClean="0"/>
+              <a:rPr lang="it-IT"/>
               <a:t>Fare clic per modificare stili del testo dello schema</a:t>
             </a:r>
           </a:p>
           <a:p>
             <a:pPr lvl="1"/>
             <a:r>
-              <a:rPr lang="it-IT" smtClean="0"/>
+              <a:rPr lang="it-IT"/>
               <a:t>Secondo livello</a:t>
             </a:r>
           </a:p>
           <a:p>
             <a:pPr lvl="2"/>
             <a:r>
-              <a:rPr lang="it-IT" smtClean="0"/>
+              <a:rPr lang="it-IT"/>
               <a:t>Terzo livello</a:t>
             </a:r>
           </a:p>
           <a:p>
             <a:pPr lvl="3"/>
             <a:r>
-              <a:rPr lang="it-IT" smtClean="0"/>
+              <a:rPr lang="it-IT"/>
               <a:t>Quarto livello</a:t>
             </a:r>
           </a:p>
           <a:p>
             <a:pPr lvl="4"/>
             <a:r>
-              <a:rPr lang="it-IT" smtClean="0"/>
+              <a:rPr lang="it-IT"/>
               <a:t>Quinto livello</a:t>
             </a:r>
-            <a:endParaRPr lang="it-IT"/>
           </a:p>
         </p:txBody>
       </p:sp>
@@ -1037,10 +1051,9 @@
           <a:lstStyle/>
           <a:p>
             <a:r>
-              <a:rPr lang="it-IT" smtClean="0"/>
+              <a:rPr lang="it-IT"/>
               <a:t>Fare clic per modificare lo stile del titolo</a:t>
             </a:r>
-            <a:endParaRPr lang="it-IT"/>
           </a:p>
         </p:txBody>
       </p:sp>
@@ -1066,38 +1079,37 @@
           <a:p>
             <a:pPr lvl="0"/>
             <a:r>
-              <a:rPr lang="it-IT" smtClean="0"/>
+              <a:rPr lang="it-IT"/>
               <a:t>Fare clic per modificare stili del testo dello schema</a:t>
             </a:r>
           </a:p>
           <a:p>
             <a:pPr lvl="1"/>
             <a:r>
-              <a:rPr lang="it-IT" smtClean="0"/>
+              <a:rPr lang="it-IT"/>
               <a:t>Secondo livello</a:t>
             </a:r>
           </a:p>
           <a:p>
             <a:pPr lvl="2"/>
             <a:r>
-              <a:rPr lang="it-IT" smtClean="0"/>
+              <a:rPr lang="it-IT"/>
               <a:t>Terzo livello</a:t>
             </a:r>
           </a:p>
           <a:p>
             <a:pPr lvl="3"/>
             <a:r>
-              <a:rPr lang="it-IT" smtClean="0"/>
+              <a:rPr lang="it-IT"/>
               <a:t>Quarto livello</a:t>
             </a:r>
           </a:p>
           <a:p>
             <a:pPr lvl="4"/>
             <a:r>
-              <a:rPr lang="it-IT" smtClean="0"/>
+              <a:rPr lang="it-IT"/>
               <a:t>Quinto livello</a:t>
             </a:r>
-            <a:endParaRPr lang="it-IT"/>
           </a:p>
         </p:txBody>
       </p:sp>
@@ -1177,10 +1189,9 @@
           <a:lstStyle/>
           <a:p>
             <a:r>
-              <a:rPr lang="it-IT" smtClean="0"/>
+              <a:rPr lang="it-IT"/>
               <a:t>Fare clic per modificare lo stile del titolo</a:t>
             </a:r>
-            <a:endParaRPr lang="it-IT"/>
           </a:p>
         </p:txBody>
       </p:sp>
@@ -1201,38 +1212,37 @@
           <a:p>
             <a:pPr lvl="0"/>
             <a:r>
-              <a:rPr lang="it-IT" smtClean="0"/>
+              <a:rPr lang="it-IT"/>
               <a:t>Fare clic per modificare stili del testo dello schema</a:t>
             </a:r>
           </a:p>
           <a:p>
             <a:pPr lvl="1"/>
             <a:r>
-              <a:rPr lang="it-IT" smtClean="0"/>
+              <a:rPr lang="it-IT"/>
               <a:t>Secondo livello</a:t>
             </a:r>
           </a:p>
           <a:p>
             <a:pPr lvl="2"/>
             <a:r>
-              <a:rPr lang="it-IT" smtClean="0"/>
+              <a:rPr lang="it-IT"/>
               <a:t>Terzo livello</a:t>
             </a:r>
           </a:p>
           <a:p>
             <a:pPr lvl="3"/>
             <a:r>
-              <a:rPr lang="it-IT" smtClean="0"/>
+              <a:rPr lang="it-IT"/>
               <a:t>Quarto livello</a:t>
             </a:r>
           </a:p>
           <a:p>
             <a:pPr lvl="4"/>
             <a:r>
-              <a:rPr lang="it-IT" smtClean="0"/>
+              <a:rPr lang="it-IT"/>
               <a:t>Quinto livello</a:t>
             </a:r>
-            <a:endParaRPr lang="it-IT"/>
           </a:p>
         </p:txBody>
       </p:sp>
@@ -1321,10 +1331,9 @@
           </a:lstStyle>
           <a:p>
             <a:r>
-              <a:rPr lang="it-IT" smtClean="0"/>
+              <a:rPr lang="it-IT"/>
               <a:t>Fare clic per modificare lo stile del titolo</a:t>
             </a:r>
-            <a:endParaRPr lang="it-IT"/>
           </a:p>
         </p:txBody>
       </p:sp>
@@ -1387,7 +1396,7 @@
           <a:p>
             <a:pPr lvl="0"/>
             <a:r>
-              <a:rPr lang="it-IT" smtClean="0"/>
+              <a:rPr lang="it-IT"/>
               <a:t>Fare clic per modificare stili del testo dello schema</a:t>
             </a:r>
           </a:p>
@@ -1469,10 +1478,9 @@
           <a:lstStyle/>
           <a:p>
             <a:r>
-              <a:rPr lang="it-IT" smtClean="0"/>
+              <a:rPr lang="it-IT"/>
               <a:t>Fare clic per modificare lo stile del titolo</a:t>
             </a:r>
-            <a:endParaRPr lang="it-IT"/>
           </a:p>
         </p:txBody>
       </p:sp>
@@ -1526,38 +1534,37 @@
           <a:p>
             <a:pPr lvl="0"/>
             <a:r>
-              <a:rPr lang="it-IT" smtClean="0"/>
+              <a:rPr lang="it-IT"/>
               <a:t>Fare clic per modificare stili del testo dello schema</a:t>
             </a:r>
           </a:p>
           <a:p>
             <a:pPr lvl="1"/>
             <a:r>
-              <a:rPr lang="it-IT" smtClean="0"/>
+              <a:rPr lang="it-IT"/>
               <a:t>Secondo livello</a:t>
             </a:r>
           </a:p>
           <a:p>
             <a:pPr lvl="2"/>
             <a:r>
-              <a:rPr lang="it-IT" smtClean="0"/>
+              <a:rPr lang="it-IT"/>
               <a:t>Terzo livello</a:t>
             </a:r>
           </a:p>
           <a:p>
             <a:pPr lvl="3"/>
             <a:r>
-              <a:rPr lang="it-IT" smtClean="0"/>
+              <a:rPr lang="it-IT"/>
               <a:t>Quarto livello</a:t>
             </a:r>
           </a:p>
           <a:p>
             <a:pPr lvl="4"/>
             <a:r>
-              <a:rPr lang="it-IT" smtClean="0"/>
+              <a:rPr lang="it-IT"/>
               <a:t>Quinto livello</a:t>
             </a:r>
-            <a:endParaRPr lang="it-IT"/>
           </a:p>
         </p:txBody>
       </p:sp>
@@ -1611,38 +1618,37 @@
           <a:p>
             <a:pPr lvl="0"/>
             <a:r>
-              <a:rPr lang="it-IT" smtClean="0"/>
+              <a:rPr lang="it-IT"/>
               <a:t>Fare clic per modificare stili del testo dello schema</a:t>
             </a:r>
           </a:p>
           <a:p>
             <a:pPr lvl="1"/>
             <a:r>
-              <a:rPr lang="it-IT" smtClean="0"/>
+              <a:rPr lang="it-IT"/>
               <a:t>Secondo livello</a:t>
             </a:r>
           </a:p>
           <a:p>
             <a:pPr lvl="2"/>
             <a:r>
-              <a:rPr lang="it-IT" smtClean="0"/>
+              <a:rPr lang="it-IT"/>
               <a:t>Terzo livello</a:t>
             </a:r>
           </a:p>
           <a:p>
             <a:pPr lvl="3"/>
             <a:r>
-              <a:rPr lang="it-IT" smtClean="0"/>
+              <a:rPr lang="it-IT"/>
               <a:t>Quarto livello</a:t>
             </a:r>
           </a:p>
           <a:p>
             <a:pPr lvl="4"/>
             <a:r>
-              <a:rPr lang="it-IT" smtClean="0"/>
+              <a:rPr lang="it-IT"/>
               <a:t>Quinto livello</a:t>
             </a:r>
-            <a:endParaRPr lang="it-IT"/>
           </a:p>
         </p:txBody>
       </p:sp>
@@ -1731,10 +1737,9 @@
           </a:lstStyle>
           <a:p>
             <a:r>
-              <a:rPr lang="it-IT" smtClean="0"/>
+              <a:rPr lang="it-IT"/>
               <a:t>Fare clic per modificare lo stile del titolo</a:t>
             </a:r>
-            <a:endParaRPr lang="it-IT"/>
           </a:p>
         </p:txBody>
       </p:sp>
@@ -1797,7 +1802,7 @@
           <a:p>
             <a:pPr lvl="0"/>
             <a:r>
-              <a:rPr lang="it-IT" smtClean="0"/>
+              <a:rPr lang="it-IT"/>
               <a:t>Fare clic per modificare stili del testo dello schema</a:t>
             </a:r>
           </a:p>
@@ -1853,38 +1858,37 @@
           <a:p>
             <a:pPr lvl="0"/>
             <a:r>
-              <a:rPr lang="it-IT" smtClean="0"/>
+              <a:rPr lang="it-IT"/>
               <a:t>Fare clic per modificare stili del testo dello schema</a:t>
             </a:r>
           </a:p>
           <a:p>
             <a:pPr lvl="1"/>
             <a:r>
-              <a:rPr lang="it-IT" smtClean="0"/>
+              <a:rPr lang="it-IT"/>
               <a:t>Secondo livello</a:t>
             </a:r>
           </a:p>
           <a:p>
             <a:pPr lvl="2"/>
             <a:r>
-              <a:rPr lang="it-IT" smtClean="0"/>
+              <a:rPr lang="it-IT"/>
               <a:t>Terzo livello</a:t>
             </a:r>
           </a:p>
           <a:p>
             <a:pPr lvl="3"/>
             <a:r>
-              <a:rPr lang="it-IT" smtClean="0"/>
+              <a:rPr lang="it-IT"/>
               <a:t>Quarto livello</a:t>
             </a:r>
           </a:p>
           <a:p>
             <a:pPr lvl="4"/>
             <a:r>
-              <a:rPr lang="it-IT" smtClean="0"/>
+              <a:rPr lang="it-IT"/>
               <a:t>Quinto livello</a:t>
             </a:r>
-            <a:endParaRPr lang="it-IT"/>
           </a:p>
         </p:txBody>
       </p:sp>
@@ -1947,7 +1951,7 @@
           <a:p>
             <a:pPr lvl="0"/>
             <a:r>
-              <a:rPr lang="it-IT" smtClean="0"/>
+              <a:rPr lang="it-IT"/>
               <a:t>Fare clic per modificare stili del testo dello schema</a:t>
             </a:r>
           </a:p>
@@ -2003,38 +2007,37 @@
           <a:p>
             <a:pPr lvl="0"/>
             <a:r>
-              <a:rPr lang="it-IT" smtClean="0"/>
+              <a:rPr lang="it-IT"/>
               <a:t>Fare clic per modificare stili del testo dello schema</a:t>
             </a:r>
           </a:p>
           <a:p>
             <a:pPr lvl="1"/>
             <a:r>
-              <a:rPr lang="it-IT" smtClean="0"/>
+              <a:rPr lang="it-IT"/>
               <a:t>Secondo livello</a:t>
             </a:r>
           </a:p>
           <a:p>
             <a:pPr lvl="2"/>
             <a:r>
-              <a:rPr lang="it-IT" smtClean="0"/>
+              <a:rPr lang="it-IT"/>
               <a:t>Terzo livello</a:t>
             </a:r>
           </a:p>
           <a:p>
             <a:pPr lvl="3"/>
             <a:r>
-              <a:rPr lang="it-IT" smtClean="0"/>
+              <a:rPr lang="it-IT"/>
               <a:t>Quarto livello</a:t>
             </a:r>
           </a:p>
           <a:p>
             <a:pPr lvl="4"/>
             <a:r>
-              <a:rPr lang="it-IT" smtClean="0"/>
+              <a:rPr lang="it-IT"/>
               <a:t>Quinto livello</a:t>
             </a:r>
-            <a:endParaRPr lang="it-IT"/>
           </a:p>
         </p:txBody>
       </p:sp>
@@ -2114,10 +2117,9 @@
           <a:lstStyle/>
           <a:p>
             <a:r>
-              <a:rPr lang="it-IT" smtClean="0"/>
+              <a:rPr lang="it-IT"/>
               <a:t>Fare clic per modificare lo stile del titolo</a:t>
             </a:r>
-            <a:endParaRPr lang="it-IT"/>
           </a:p>
         </p:txBody>
       </p:sp>
@@ -2266,10 +2268,9 @@
           </a:lstStyle>
           <a:p>
             <a:r>
-              <a:rPr lang="it-IT" smtClean="0"/>
+              <a:rPr lang="it-IT"/>
               <a:t>Fare clic per modificare lo stile del titolo</a:t>
             </a:r>
-            <a:endParaRPr lang="it-IT"/>
           </a:p>
         </p:txBody>
       </p:sp>
@@ -2323,38 +2324,37 @@
           <a:p>
             <a:pPr lvl="0"/>
             <a:r>
-              <a:rPr lang="it-IT" smtClean="0"/>
+              <a:rPr lang="it-IT"/>
               <a:t>Fare clic per modificare stili del testo dello schema</a:t>
             </a:r>
           </a:p>
           <a:p>
             <a:pPr lvl="1"/>
             <a:r>
-              <a:rPr lang="it-IT" smtClean="0"/>
+              <a:rPr lang="it-IT"/>
               <a:t>Secondo livello</a:t>
             </a:r>
           </a:p>
           <a:p>
             <a:pPr lvl="2"/>
             <a:r>
-              <a:rPr lang="it-IT" smtClean="0"/>
+              <a:rPr lang="it-IT"/>
               <a:t>Terzo livello</a:t>
             </a:r>
           </a:p>
           <a:p>
             <a:pPr lvl="3"/>
             <a:r>
-              <a:rPr lang="it-IT" smtClean="0"/>
+              <a:rPr lang="it-IT"/>
               <a:t>Quarto livello</a:t>
             </a:r>
           </a:p>
           <a:p>
             <a:pPr lvl="4"/>
             <a:r>
-              <a:rPr lang="it-IT" smtClean="0"/>
+              <a:rPr lang="it-IT"/>
               <a:t>Quinto livello</a:t>
             </a:r>
-            <a:endParaRPr lang="it-IT"/>
           </a:p>
         </p:txBody>
       </p:sp>
@@ -2417,7 +2417,7 @@
           <a:p>
             <a:pPr lvl="0"/>
             <a:r>
-              <a:rPr lang="it-IT" smtClean="0"/>
+              <a:rPr lang="it-IT"/>
               <a:t>Fare clic per modificare stili del testo dello schema</a:t>
             </a:r>
           </a:p>
@@ -2508,10 +2508,9 @@
           </a:lstStyle>
           <a:p>
             <a:r>
-              <a:rPr lang="it-IT" smtClean="0"/>
+              <a:rPr lang="it-IT"/>
               <a:t>Fare clic per modificare lo stile del titolo</a:t>
             </a:r>
-            <a:endParaRPr lang="it-IT"/>
           </a:p>
         </p:txBody>
       </p:sp>
@@ -2573,7 +2572,7 @@
           </a:lstStyle>
           <a:p>
             <a:pPr lvl="0"/>
-            <a:endParaRPr lang="it-IT" noProof="0" smtClean="0"/>
+            <a:endParaRPr lang="it-IT" noProof="0"/>
           </a:p>
         </p:txBody>
       </p:sp>
@@ -2636,7 +2635,7 @@
           <a:p>
             <a:pPr lvl="0"/>
             <a:r>
-              <a:rPr lang="it-IT" smtClean="0"/>
+              <a:rPr lang="it-IT"/>
               <a:t>Fare clic per modificare stili del testo dello schema</a:t>
             </a:r>
           </a:p>
@@ -2746,7 +2745,7 @@
           <a:p>
             <a:pPr lvl="0"/>
             <a:r>
-              <a:rPr lang="it-IT" smtClean="0"/>
+              <a:rPr lang="it-IT"/>
               <a:t>Fare clic per modificare lo stile del titolo dello schema</a:t>
             </a:r>
           </a:p>
@@ -2788,35 +2787,35 @@
           <a:p>
             <a:pPr lvl="0"/>
             <a:r>
-              <a:rPr lang="it-IT" smtClean="0"/>
+              <a:rPr lang="it-IT"/>
               <a:t>Fare clic per modificare gli stili del testo dello schema</a:t>
             </a:r>
           </a:p>
           <a:p>
             <a:pPr lvl="1"/>
             <a:r>
-              <a:rPr lang="it-IT" smtClean="0"/>
+              <a:rPr lang="it-IT"/>
               <a:t>Secondo livello</a:t>
             </a:r>
           </a:p>
           <a:p>
             <a:pPr lvl="2"/>
             <a:r>
-              <a:rPr lang="it-IT" smtClean="0"/>
+              <a:rPr lang="it-IT"/>
               <a:t>Terzo livello</a:t>
             </a:r>
           </a:p>
           <a:p>
             <a:pPr lvl="3"/>
             <a:r>
-              <a:rPr lang="it-IT" smtClean="0"/>
+              <a:rPr lang="it-IT"/>
               <a:t>Quarto livello</a:t>
             </a:r>
           </a:p>
           <a:p>
             <a:pPr lvl="4"/>
             <a:r>
-              <a:rPr lang="it-IT" smtClean="0"/>
+              <a:rPr lang="it-IT"/>
               <a:t>Quinto livello</a:t>
             </a:r>
           </a:p>
@@ -2986,15 +2985,15 @@
               <a:defRPr/>
             </a:pPr>
             <a:r>
-              <a:rPr lang="it-IT" sz="900" dirty="0" smtClean="0"/>
+              <a:rPr lang="it-IT" sz="900" dirty="0"/>
               <a:t>©</a:t>
             </a:r>
             <a:r>
-              <a:rPr lang="it-IT" sz="900" baseline="0" dirty="0" smtClean="0"/>
+              <a:rPr lang="it-IT" sz="900" baseline="0" dirty="0"/>
               <a:t> </a:t>
             </a:r>
             <a:r>
-              <a:rPr lang="it-IT" sz="900" dirty="0" err="1" smtClean="0"/>
+              <a:rPr lang="it-IT" sz="900" dirty="0" err="1"/>
               <a:t>F.M.Zanzotto</a:t>
             </a:r>
             <a:endParaRPr lang="it-IT" sz="900" dirty="0"/>
@@ -3036,15 +3035,15 @@
               <a:defRPr/>
             </a:pPr>
             <a:r>
-              <a:rPr lang="it-IT" sz="900" dirty="0" smtClean="0"/>
+              <a:rPr lang="it-IT" sz="900" dirty="0"/>
               <a:t>Logica</a:t>
             </a:r>
             <a:r>
-              <a:rPr lang="it-IT" sz="900" baseline="0" dirty="0" smtClean="0"/>
+              <a:rPr lang="it-IT" sz="900" baseline="0" dirty="0"/>
               <a:t> per la Programmazione e la </a:t>
             </a:r>
             <a:r>
-              <a:rPr lang="it-IT" sz="900" baseline="0" smtClean="0"/>
+              <a:rPr lang="it-IT" sz="900" baseline="0"/>
               <a:t>Dimostrazione Automatica</a:t>
             </a:r>
             <a:endParaRPr lang="it-IT" sz="900" dirty="0"/>
@@ -3584,10 +3583,9 @@
           <a:lstStyle/>
           <a:p>
             <a:r>
-              <a:rPr lang="it-IT" dirty="0" smtClean="0"/>
+              <a:rPr lang="it-IT" dirty="0"/>
               <a:t>Alberi Bilanciati</a:t>
             </a:r>
-            <a:endParaRPr lang="it-IT" dirty="0"/>
           </a:p>
         </p:txBody>
       </p:sp>
@@ -3610,12 +3608,12 @@
           <a:p>
             <a:pPr algn="ctr"/>
             <a:r>
-              <a:rPr lang="it-IT" dirty="0" smtClean="0"/>
+              <a:rPr lang="it-IT" dirty="0"/>
               <a:t>Fabio Massimo Zanzotto</a:t>
             </a:r>
           </a:p>
           <a:p>
-            <a:endParaRPr lang="it-IT" dirty="0" smtClean="0"/>
+            <a:endParaRPr lang="it-IT" dirty="0"/>
           </a:p>
         </p:txBody>
       </p:sp>
@@ -3629,13 +3627,6 @@
   <p:clrMapOvr>
     <a:masterClrMapping/>
   </p:clrMapOvr>
-  <p:timing>
-    <p:tnLst>
-      <p:par>
-        <p:cTn id="1" dur="indefinite" restart="never" nodeType="tmRoot"/>
-      </p:par>
-    </p:tnLst>
-  </p:timing>
 </p:sld>
 </file>
 
@@ -3705,8 +3696,149 @@
             <a:pPr marL="0" indent="0">
               <a:buNone/>
             </a:pPr>
-            <a:endParaRPr lang="en-US" sz="2000" dirty="0" smtClean="0"/>
-          </a:p>
+            <a:endParaRPr lang="it-IT" dirty="0"/>
+          </a:p>
+        </p:txBody>
+      </p:sp>
+      <p:pic>
+        <p:nvPicPr>
+          <p:cNvPr id="5122" name="Picture 2"/>
+          <p:cNvPicPr>
+            <a:picLocks noChangeAspect="1" noChangeArrowheads="1"/>
+          </p:cNvPicPr>
+          <p:nvPr/>
+        </p:nvPicPr>
+        <p:blipFill>
+          <a:blip r:embed="rId2">
+            <a:extLst>
+              <a:ext uri="{28A0092B-C50C-407E-A947-70E740481C1C}">
+                <a14:useLocalDpi xmlns:a14="http://schemas.microsoft.com/office/drawing/2010/main" val="0"/>
+              </a:ext>
+            </a:extLst>
+          </a:blip>
+          <a:srcRect/>
+          <a:stretch>
+            <a:fillRect/>
+          </a:stretch>
+        </p:blipFill>
+        <p:spPr bwMode="auto">
+          <a:xfrm rot="5400000">
+            <a:off x="3479900" y="632668"/>
+            <a:ext cx="2111227" cy="6263731"/>
+          </a:xfrm>
+          <a:prstGeom prst="rect">
+            <a:avLst/>
+          </a:prstGeom>
+          <a:noFill/>
+          <a:ln>
+            <a:noFill/>
+          </a:ln>
+          <a:effectLst/>
+          <a:extLst>
+            <a:ext uri="{909E8E84-426E-40DD-AFC4-6F175D3DCCD1}">
+              <a14:hiddenFill xmlns:a14="http://schemas.microsoft.com/office/drawing/2010/main">
+                <a:solidFill>
+                  <a:schemeClr val="accent1"/>
+                </a:solidFill>
+              </a14:hiddenFill>
+            </a:ext>
+            <a:ext uri="{91240B29-F687-4F45-9708-019B960494DF}">
+              <a14:hiddenLine xmlns:a14="http://schemas.microsoft.com/office/drawing/2010/main" w="9525">
+                <a:solidFill>
+                  <a:schemeClr val="tx1"/>
+                </a:solidFill>
+                <a:miter lim="800000"/>
+                <a:headEnd/>
+                <a:tailEnd/>
+              </a14:hiddenLine>
+            </a:ext>
+            <a:ext uri="{AF507438-7753-43E0-B8FC-AC1667EBCBE1}">
+              <a14:hiddenEffects xmlns:a14="http://schemas.microsoft.com/office/drawing/2010/main">
+                <a:effectLst>
+                  <a:outerShdw dist="35921" dir="2700000" algn="ctr" rotWithShape="0">
+                    <a:schemeClr val="bg2"/>
+                  </a:outerShdw>
+                </a:effectLst>
+              </a14:hiddenEffects>
+            </a:ext>
+          </a:extLst>
+        </p:spPr>
+      </p:pic>
+    </p:spTree>
+    <p:extLst>
+      <p:ext uri="{BB962C8B-B14F-4D97-AF65-F5344CB8AC3E}">
+        <p14:creationId xmlns:p14="http://schemas.microsoft.com/office/powerpoint/2010/main" val="600859000"/>
+      </p:ext>
+    </p:extLst>
+  </p:cSld>
+  <p:clrMapOvr>
+    <a:masterClrMapping/>
+  </p:clrMapOvr>
+</p:sld>
+</file>
+
+<file path=ppt/slides/slide11.xml><?xml version="1.0" encoding="utf-8"?>
+<p:sld xmlns:a="http://schemas.openxmlformats.org/drawingml/2006/main" xmlns:r="http://schemas.openxmlformats.org/officeDocument/2006/relationships" xmlns:p="http://schemas.openxmlformats.org/presentationml/2006/main">
+  <p:cSld>
+    <p:spTree>
+      <p:nvGrpSpPr>
+        <p:cNvPr id="1" name=""/>
+        <p:cNvGrpSpPr/>
+        <p:nvPr/>
+      </p:nvGrpSpPr>
+      <p:grpSpPr>
+        <a:xfrm>
+          <a:off x="0" y="0"/>
+          <a:ext cx="0" cy="0"/>
+          <a:chOff x="0" y="0"/>
+          <a:chExt cx="0" cy="0"/>
+        </a:xfrm>
+      </p:grpSpPr>
+      <p:sp>
+        <p:nvSpPr>
+          <p:cNvPr id="2" name="Titolo 1"/>
+          <p:cNvSpPr>
+            <a:spLocks noGrp="1"/>
+          </p:cNvSpPr>
+          <p:nvPr>
+            <p:ph type="title"/>
+          </p:nvPr>
+        </p:nvSpPr>
+        <p:spPr/>
+        <p:txBody>
+          <a:bodyPr/>
+          <a:lstStyle/>
+          <a:p>
+            <a:r>
+              <a:rPr lang="it-IT" dirty="0"/>
+              <a:t>Inserire in un </a:t>
+            </a:r>
+            <a:r>
+              <a:rPr lang="it-IT" b="1" i="1" dirty="0"/>
+              <a:t>2-3 </a:t>
+            </a:r>
+            <a:r>
+              <a:rPr lang="it-IT" b="1" i="1" dirty="0" err="1"/>
+              <a:t>dictionary</a:t>
+            </a:r>
+            <a:endParaRPr lang="it-IT" dirty="0"/>
+          </a:p>
+        </p:txBody>
+      </p:sp>
+      <p:sp>
+        <p:nvSpPr>
+          <p:cNvPr id="3" name="Segnaposto contenuto 2"/>
+          <p:cNvSpPr>
+            <a:spLocks noGrp="1"/>
+          </p:cNvSpPr>
+          <p:nvPr>
+            <p:ph idx="1"/>
+          </p:nvPr>
+        </p:nvSpPr>
+        <p:spPr/>
+        <p:txBody>
+          <a:bodyPr/>
+          <a:lstStyle/>
           <a:p>
             <a:pPr marL="0" indent="0">
               <a:buNone/>
@@ -3717,74 +3849,48 @@
             <a:pPr marL="0" indent="0">
               <a:buNone/>
             </a:pPr>
-            <a:r>
-              <a:rPr lang="en-US" sz="2000" dirty="0" smtClean="0"/>
-              <a:t>add23</a:t>
-            </a:r>
+            <a:endParaRPr lang="en-US" sz="2000" dirty="0"/>
+          </a:p>
+          <a:p>
+            <a:pPr marL="0" indent="0">
+              <a:buNone/>
+            </a:pPr>
             <a:r>
               <a:rPr lang="en-US" sz="2000" dirty="0"/>
-              <a:t>( Tree, X, Tree1)  :-                  % Add X to </a:t>
-            </a:r>
-            <a:r>
-              <a:rPr lang="en-US" sz="2000" dirty="0" smtClean="0"/>
-              <a:t>Tree </a:t>
-            </a:r>
+              <a:t>add23( Tree, X, Tree1)  :-                  % Add X to Tree giving Tree1</a:t>
+            </a:r>
+          </a:p>
+          <a:p>
+            <a:pPr marL="0" indent="0">
+              <a:buNone/>
+            </a:pPr>
             <a:r>
               <a:rPr lang="en-US" sz="2000" dirty="0"/>
-              <a:t>giving Tree1</a:t>
-            </a:r>
-          </a:p>
-          <a:p>
-            <a:pPr marL="0" indent="0">
-              <a:buNone/>
-            </a:pPr>
-            <a:r>
-              <a:rPr lang="en-US" sz="2000" dirty="0" smtClean="0"/>
-              <a:t>	ins</a:t>
-            </a:r>
+              <a:t>	ins( Tree, X, Tree1).                    % Tree grows in breadth</a:t>
+            </a:r>
+          </a:p>
+          <a:p>
+            <a:pPr marL="0" indent="0">
+              <a:buNone/>
+            </a:pPr>
+            <a:endParaRPr lang="en-US" sz="2000" dirty="0"/>
+          </a:p>
+          <a:p>
+            <a:pPr marL="0" indent="0">
+              <a:buNone/>
+            </a:pPr>
             <a:r>
               <a:rPr lang="en-US" sz="2000" dirty="0"/>
-              <a:t>( Tree, X, Tree1).                    % Tree grows in breadth</a:t>
-            </a:r>
-          </a:p>
-          <a:p>
-            <a:pPr marL="0" indent="0">
-              <a:buNone/>
-            </a:pPr>
-            <a:endParaRPr lang="en-US" sz="2000" dirty="0" smtClean="0"/>
-          </a:p>
-          <a:p>
-            <a:pPr marL="0" indent="0">
-              <a:buNone/>
-            </a:pPr>
-            <a:r>
-              <a:rPr lang="en-US" sz="2000" dirty="0" smtClean="0"/>
-              <a:t>add23</a:t>
-            </a:r>
+              <a:t>add23( Tree, X, n2( T1, M2, T2))  :-        % Tree grows upwards</a:t>
+            </a:r>
+          </a:p>
+          <a:p>
+            <a:pPr marL="0" indent="0">
+              <a:buNone/>
+            </a:pPr>
             <a:r>
               <a:rPr lang="en-US" sz="2000" dirty="0"/>
-              <a:t>( Tree, X, n2( T1, M2, T2))  :-        % Tree grows </a:t>
-            </a:r>
-            <a:r>
-              <a:rPr lang="en-US" sz="2000" dirty="0" smtClean="0"/>
-              <a:t>upwards</a:t>
-            </a:r>
-          </a:p>
-          <a:p>
-            <a:pPr marL="0" indent="0">
-              <a:buNone/>
-            </a:pPr>
-            <a:r>
-              <a:rPr lang="en-US" sz="2000" dirty="0"/>
-              <a:t>	</a:t>
-            </a:r>
-            <a:r>
-              <a:rPr lang="en-US" sz="2000" dirty="0" smtClean="0"/>
-              <a:t>ins</a:t>
-            </a:r>
-            <a:r>
-              <a:rPr lang="en-US" sz="2000" dirty="0"/>
-              <a:t>( Tree, X, T1, M2, T2).</a:t>
+              <a:t>	ins( Tree, X, T1, M2, T2).</a:t>
             </a:r>
           </a:p>
           <a:p>
@@ -3802,17 +3908,10 @@
   <p:clrMapOvr>
     <a:masterClrMapping/>
   </p:clrMapOvr>
-  <p:timing>
-    <p:tnLst>
-      <p:par>
-        <p:cTn id="1" dur="indefinite" restart="never" nodeType="tmRoot"/>
-      </p:par>
-    </p:tnLst>
-  </p:timing>
 </p:sld>
 </file>
 
-<file path=ppt/slides/slide11.xml><?xml version="1.0" encoding="utf-8"?>
+<file path=ppt/slides/slide12.xml><?xml version="1.0" encoding="utf-8"?>
 <p:sld xmlns:a="http://schemas.openxmlformats.org/drawingml/2006/main" xmlns:r="http://schemas.openxmlformats.org/officeDocument/2006/relationships" xmlns:p="http://schemas.openxmlformats.org/presentationml/2006/main">
   <p:cSld>
     <p:spTree>
@@ -3953,192 +4052,6 @@
   <p:clrMapOvr>
     <a:masterClrMapping/>
   </p:clrMapOvr>
-  <p:timing>
-    <p:tnLst>
-      <p:par>
-        <p:cTn id="1" dur="indefinite" restart="never" nodeType="tmRoot"/>
-      </p:par>
-    </p:tnLst>
-  </p:timing>
-</p:sld>
-</file>
-
-<file path=ppt/slides/slide12.xml><?xml version="1.0" encoding="utf-8"?>
-<p:sld xmlns:a="http://schemas.openxmlformats.org/drawingml/2006/main" xmlns:r="http://schemas.openxmlformats.org/officeDocument/2006/relationships" xmlns:p="http://schemas.openxmlformats.org/presentationml/2006/main">
-  <p:cSld>
-    <p:spTree>
-      <p:nvGrpSpPr>
-        <p:cNvPr id="1" name=""/>
-        <p:cNvGrpSpPr/>
-        <p:nvPr/>
-      </p:nvGrpSpPr>
-      <p:grpSpPr>
-        <a:xfrm>
-          <a:off x="0" y="0"/>
-          <a:ext cx="0" cy="0"/>
-          <a:chOff x="0" y="0"/>
-          <a:chExt cx="0" cy="0"/>
-        </a:xfrm>
-      </p:grpSpPr>
-      <p:sp>
-        <p:nvSpPr>
-          <p:cNvPr id="2" name="Titolo 1"/>
-          <p:cNvSpPr>
-            <a:spLocks noGrp="1"/>
-          </p:cNvSpPr>
-          <p:nvPr>
-            <p:ph type="title"/>
-          </p:nvPr>
-        </p:nvSpPr>
-        <p:spPr/>
-        <p:txBody>
-          <a:bodyPr/>
-          <a:lstStyle/>
-          <a:p>
-            <a:r>
-              <a:rPr lang="it-IT" dirty="0"/>
-              <a:t>Inserire in un </a:t>
-            </a:r>
-            <a:r>
-              <a:rPr lang="it-IT" b="1" i="1" dirty="0"/>
-              <a:t>2-3 </a:t>
-            </a:r>
-            <a:r>
-              <a:rPr lang="it-IT" b="1" i="1" dirty="0" err="1"/>
-              <a:t>dictionary</a:t>
-            </a:r>
-            <a:endParaRPr lang="it-IT" dirty="0"/>
-          </a:p>
-        </p:txBody>
-      </p:sp>
-      <p:sp>
-        <p:nvSpPr>
-          <p:cNvPr id="3" name="Segnaposto contenuto 2"/>
-          <p:cNvSpPr>
-            <a:spLocks noGrp="1"/>
-          </p:cNvSpPr>
-          <p:nvPr>
-            <p:ph idx="1"/>
-          </p:nvPr>
-        </p:nvSpPr>
-        <p:spPr/>
-        <p:txBody>
-          <a:bodyPr/>
-          <a:lstStyle/>
-          <a:p>
-            <a:endParaRPr lang="it-IT" dirty="0" smtClean="0"/>
-          </a:p>
-          <a:p>
-            <a:pPr marL="0" indent="0">
-              <a:buNone/>
-            </a:pPr>
-            <a:r>
-              <a:rPr lang="de-DE" sz="2400" dirty="0"/>
-              <a:t>ins( n2( T1, M , T2), X, n2( NT1, M, T2))  :-</a:t>
-            </a:r>
-          </a:p>
-          <a:p>
-            <a:pPr marL="0" indent="0">
-              <a:buNone/>
-            </a:pPr>
-            <a:r>
-              <a:rPr lang="de-DE" sz="2400" dirty="0"/>
-              <a:t>   </a:t>
-            </a:r>
-            <a:r>
-              <a:rPr lang="de-DE" sz="2400" dirty="0" err="1"/>
-              <a:t>gt</a:t>
-            </a:r>
-            <a:r>
-              <a:rPr lang="de-DE" sz="2400" dirty="0"/>
-              <a:t>( M, X),</a:t>
-            </a:r>
-          </a:p>
-          <a:p>
-            <a:pPr marL="0" indent="0">
-              <a:buNone/>
-            </a:pPr>
-            <a:r>
-              <a:rPr lang="de-DE" sz="2400" dirty="0"/>
-              <a:t>   ins( T1, X, NT1).</a:t>
-            </a:r>
-          </a:p>
-          <a:p>
-            <a:endParaRPr lang="de-DE" sz="2400" dirty="0"/>
-          </a:p>
-          <a:p>
-            <a:pPr marL="0" indent="0">
-              <a:buNone/>
-            </a:pPr>
-            <a:r>
-              <a:rPr lang="de-DE" sz="2400" dirty="0"/>
-              <a:t>ins( n2( T1, M, T2), X, n3( NT1a, </a:t>
-            </a:r>
-            <a:r>
-              <a:rPr lang="de-DE" sz="2400" dirty="0" err="1"/>
-              <a:t>Mb</a:t>
-            </a:r>
-            <a:r>
-              <a:rPr lang="de-DE" sz="2400" dirty="0"/>
-              <a:t>, NT1b, M, T2))  :-</a:t>
-            </a:r>
-          </a:p>
-          <a:p>
-            <a:pPr marL="0" indent="0">
-              <a:buNone/>
-            </a:pPr>
-            <a:r>
-              <a:rPr lang="de-DE" sz="2400" dirty="0"/>
-              <a:t>   </a:t>
-            </a:r>
-            <a:r>
-              <a:rPr lang="de-DE" sz="2400" dirty="0" err="1"/>
-              <a:t>gt</a:t>
-            </a:r>
-            <a:r>
-              <a:rPr lang="de-DE" sz="2400" dirty="0"/>
-              <a:t>( M, X),</a:t>
-            </a:r>
-          </a:p>
-          <a:p>
-            <a:pPr marL="0" indent="0">
-              <a:buNone/>
-            </a:pPr>
-            <a:r>
-              <a:rPr lang="de-DE" sz="2400" dirty="0"/>
-              <a:t>   ins( T1, X, NT1a, </a:t>
-            </a:r>
-            <a:r>
-              <a:rPr lang="de-DE" sz="2400" dirty="0" err="1"/>
-              <a:t>Mb</a:t>
-            </a:r>
-            <a:r>
-              <a:rPr lang="de-DE" sz="2400" dirty="0"/>
-              <a:t>, NT1b).</a:t>
-            </a:r>
-          </a:p>
-          <a:p>
-            <a:endParaRPr lang="it-IT" dirty="0"/>
-          </a:p>
-        </p:txBody>
-      </p:sp>
-    </p:spTree>
-    <p:extLst>
-      <p:ext uri="{BB962C8B-B14F-4D97-AF65-F5344CB8AC3E}">
-        <p14:creationId xmlns:p14="http://schemas.microsoft.com/office/powerpoint/2010/main" val="1322149709"/>
-      </p:ext>
-    </p:extLst>
-  </p:cSld>
-  <p:clrMapOvr>
-    <a:masterClrMapping/>
-  </p:clrMapOvr>
-  <p:timing>
-    <p:tnLst>
-      <p:par>
-        <p:cTn id="1" dur="indefinite" restart="never" nodeType="tmRoot"/>
-      </p:par>
-    </p:tnLst>
-  </p:timing>
 </p:sld>
 </file>
 
@@ -4205,76 +4118,95 @@
           <a:bodyPr/>
           <a:lstStyle/>
           <a:p>
-            <a:pPr marL="0" indent="0">
-              <a:buNone/>
-            </a:pPr>
-            <a:r>
-              <a:rPr lang="it-IT" sz="2400" dirty="0" err="1"/>
-              <a:t>ins</a:t>
-            </a:r>
-            <a:r>
-              <a:rPr lang="it-IT" sz="2400" dirty="0"/>
-              <a:t>( </a:t>
-            </a:r>
-            <a:r>
-              <a:rPr lang="it-IT" sz="2400" dirty="0" smtClean="0"/>
-              <a:t>	n3</a:t>
-            </a:r>
-            <a:r>
-              <a:rPr lang="it-IT" sz="2400" dirty="0"/>
-              <a:t>( T1, M2, T2, M3, T3), X, </a:t>
-            </a:r>
-            <a:endParaRPr lang="it-IT" sz="2400" dirty="0" smtClean="0"/>
-          </a:p>
-          <a:p>
-            <a:pPr marL="0" indent="0">
-              <a:buNone/>
-            </a:pPr>
-            <a:r>
-              <a:rPr lang="it-IT" sz="2400" dirty="0"/>
-              <a:t>	</a:t>
-            </a:r>
-            <a:r>
-              <a:rPr lang="it-IT" sz="2400" dirty="0" smtClean="0"/>
-              <a:t>n2</a:t>
-            </a:r>
-            <a:r>
-              <a:rPr lang="it-IT" sz="2400" dirty="0"/>
-              <a:t>( NT1a, Mb, NT1b), M2, n2( T2, M3, T3)) :-</a:t>
-            </a:r>
-          </a:p>
-          <a:p>
-            <a:pPr marL="0" indent="0">
-              <a:buNone/>
-            </a:pPr>
-            <a:r>
-              <a:rPr lang="it-IT" sz="2400" dirty="0"/>
+            <a:endParaRPr lang="it-IT" dirty="0"/>
+          </a:p>
+          <a:p>
+            <a:pPr marL="0" indent="0">
+              <a:buNone/>
+            </a:pPr>
+            <a:r>
+              <a:rPr lang="de-DE" sz="2400" dirty="0"/>
+              <a:t>ins( n2( T1, M , T2), X, n2( NT1, M, T2))  :-</a:t>
+            </a:r>
+          </a:p>
+          <a:p>
+            <a:pPr marL="0" indent="0">
+              <a:buNone/>
+            </a:pPr>
+            <a:r>
+              <a:rPr lang="de-DE" sz="2400" dirty="0"/>
               <a:t>   </a:t>
             </a:r>
             <a:r>
-              <a:rPr lang="it-IT" sz="2400" dirty="0" err="1"/>
+              <a:rPr lang="de-DE" sz="2400" dirty="0" err="1"/>
               <a:t>gt</a:t>
             </a:r>
             <a:r>
-              <a:rPr lang="it-IT" sz="2400" dirty="0"/>
-              <a:t>( M2, X),</a:t>
-            </a:r>
-          </a:p>
-          <a:p>
-            <a:pPr marL="0" indent="0">
-              <a:buNone/>
-            </a:pPr>
-            <a:r>
-              <a:rPr lang="it-IT" sz="2400" dirty="0"/>
+              <a:rPr lang="de-DE" sz="2400" dirty="0"/>
+              <a:t>( M, X),</a:t>
+            </a:r>
+          </a:p>
+          <a:p>
+            <a:pPr marL="0" indent="0">
+              <a:buNone/>
+            </a:pPr>
+            <a:r>
+              <a:rPr lang="de-DE" sz="2400" dirty="0"/>
+              <a:t>   ins( T1, X, NT1).</a:t>
+            </a:r>
+          </a:p>
+          <a:p>
+            <a:endParaRPr lang="de-DE" sz="2400" dirty="0"/>
+          </a:p>
+          <a:p>
+            <a:pPr marL="0" indent="0">
+              <a:buNone/>
+            </a:pPr>
+            <a:r>
+              <a:rPr lang="de-DE" sz="2400" dirty="0"/>
+              <a:t>ins( n2( T1, M, T2), X, n3( NT1a, </a:t>
+            </a:r>
+            <a:r>
+              <a:rPr lang="de-DE" sz="2400" dirty="0" err="1"/>
+              <a:t>Mb</a:t>
+            </a:r>
+            <a:r>
+              <a:rPr lang="de-DE" sz="2400" dirty="0"/>
+              <a:t>, NT1b, M, T2))  :-</a:t>
+            </a:r>
+          </a:p>
+          <a:p>
+            <a:pPr marL="0" indent="0">
+              <a:buNone/>
+            </a:pPr>
+            <a:r>
+              <a:rPr lang="de-DE" sz="2400" dirty="0"/>
               <a:t>   </a:t>
             </a:r>
             <a:r>
-              <a:rPr lang="it-IT" sz="2400" dirty="0" err="1"/>
-              <a:t>ins</a:t>
-            </a:r>
-            <a:r>
-              <a:rPr lang="it-IT" sz="2400" dirty="0"/>
-              <a:t>( T1, X, NT1a, Mb, NT1b).</a:t>
+              <a:rPr lang="de-DE" sz="2400" dirty="0" err="1"/>
+              <a:t>gt</a:t>
+            </a:r>
+            <a:r>
+              <a:rPr lang="de-DE" sz="2400" dirty="0"/>
+              <a:t>( M, X),</a:t>
+            </a:r>
+          </a:p>
+          <a:p>
+            <a:pPr marL="0" indent="0">
+              <a:buNone/>
+            </a:pPr>
+            <a:r>
+              <a:rPr lang="de-DE" sz="2400" dirty="0"/>
+              <a:t>   ins( T1, X, NT1a, </a:t>
+            </a:r>
+            <a:r>
+              <a:rPr lang="de-DE" sz="2400" dirty="0" err="1"/>
+              <a:t>Mb</a:t>
+            </a:r>
+            <a:r>
+              <a:rPr lang="de-DE" sz="2400" dirty="0"/>
+              <a:t>, NT1b).</a:t>
             </a:r>
           </a:p>
           <a:p>
@@ -4285,20 +4217,13 @@
     </p:spTree>
     <p:extLst>
       <p:ext uri="{BB962C8B-B14F-4D97-AF65-F5344CB8AC3E}">
-        <p14:creationId xmlns:p14="http://schemas.microsoft.com/office/powerpoint/2010/main" val="1164482429"/>
+        <p14:creationId xmlns:p14="http://schemas.microsoft.com/office/powerpoint/2010/main" val="1322149709"/>
       </p:ext>
     </p:extLst>
   </p:cSld>
   <p:clrMapOvr>
     <a:masterClrMapping/>
   </p:clrMapOvr>
-  <p:timing>
-    <p:tnLst>
-      <p:par>
-        <p:cTn id="1" dur="indefinite" restart="never" nodeType="tmRoot"/>
-      </p:par>
-    </p:tnLst>
-  </p:timing>
 </p:sld>
 </file>
 
@@ -4343,15 +4268,151 @@
               <a:t>2-3 </a:t>
             </a:r>
             <a:r>
-              <a:rPr lang="it-IT" b="1" i="1" dirty="0" err="1" smtClean="0"/>
+              <a:rPr lang="it-IT" b="1" i="1" dirty="0" err="1"/>
               <a:t>dictionary</a:t>
             </a:r>
-            <a:r>
-              <a:rPr lang="it-IT" b="1" i="1" dirty="0" smtClean="0"/>
+            <a:endParaRPr lang="it-IT" dirty="0"/>
+          </a:p>
+        </p:txBody>
+      </p:sp>
+      <p:sp>
+        <p:nvSpPr>
+          <p:cNvPr id="3" name="Segnaposto contenuto 2"/>
+          <p:cNvSpPr>
+            <a:spLocks noGrp="1"/>
+          </p:cNvSpPr>
+          <p:nvPr>
+            <p:ph idx="1"/>
+          </p:nvPr>
+        </p:nvSpPr>
+        <p:spPr/>
+        <p:txBody>
+          <a:bodyPr/>
+          <a:lstStyle/>
+          <a:p>
+            <a:pPr marL="0" indent="0">
+              <a:buNone/>
+            </a:pPr>
+            <a:r>
+              <a:rPr lang="it-IT" sz="2400" dirty="0" err="1"/>
+              <a:t>ins</a:t>
+            </a:r>
+            <a:r>
+              <a:rPr lang="it-IT" sz="2400" dirty="0"/>
+              <a:t>( 	n3( T1, M2, T2, M3, T3), X, </a:t>
+            </a:r>
+          </a:p>
+          <a:p>
+            <a:pPr marL="0" indent="0">
+              <a:buNone/>
+            </a:pPr>
+            <a:r>
+              <a:rPr lang="it-IT" sz="2400" dirty="0"/>
+              <a:t>	n2( NT1a, Mb, NT1b), M2, n2( T2, M3, T3)) :-</a:t>
+            </a:r>
+          </a:p>
+          <a:p>
+            <a:pPr marL="0" indent="0">
+              <a:buNone/>
+            </a:pPr>
+            <a:r>
+              <a:rPr lang="it-IT" sz="2400" dirty="0"/>
+              <a:t>   </a:t>
+            </a:r>
+            <a:r>
+              <a:rPr lang="it-IT" sz="2400" dirty="0" err="1"/>
+              <a:t>gt</a:t>
+            </a:r>
+            <a:r>
+              <a:rPr lang="it-IT" sz="2400" dirty="0"/>
+              <a:t>( M2, X),</a:t>
+            </a:r>
+          </a:p>
+          <a:p>
+            <a:pPr marL="0" indent="0">
+              <a:buNone/>
+            </a:pPr>
+            <a:r>
+              <a:rPr lang="it-IT" sz="2400" dirty="0"/>
+              <a:t>   </a:t>
+            </a:r>
+            <a:r>
+              <a:rPr lang="it-IT" sz="2400" dirty="0" err="1"/>
+              <a:t>ins</a:t>
+            </a:r>
+            <a:r>
+              <a:rPr lang="it-IT" sz="2400" dirty="0"/>
+              <a:t>( T1, X, NT1a, Mb, NT1b).</a:t>
+            </a:r>
+          </a:p>
+          <a:p>
+            <a:endParaRPr lang="it-IT" dirty="0"/>
+          </a:p>
+        </p:txBody>
+      </p:sp>
+    </p:spTree>
+    <p:extLst>
+      <p:ext uri="{BB962C8B-B14F-4D97-AF65-F5344CB8AC3E}">
+        <p14:creationId xmlns:p14="http://schemas.microsoft.com/office/powerpoint/2010/main" val="1164482429"/>
+      </p:ext>
+    </p:extLst>
+  </p:cSld>
+  <p:clrMapOvr>
+    <a:masterClrMapping/>
+  </p:clrMapOvr>
+</p:sld>
+</file>
+
+<file path=ppt/slides/slide15.xml><?xml version="1.0" encoding="utf-8"?>
+<p:sld xmlns:a="http://schemas.openxmlformats.org/drawingml/2006/main" xmlns:r="http://schemas.openxmlformats.org/officeDocument/2006/relationships" xmlns:p="http://schemas.openxmlformats.org/presentationml/2006/main">
+  <p:cSld>
+    <p:spTree>
+      <p:nvGrpSpPr>
+        <p:cNvPr id="1" name=""/>
+        <p:cNvGrpSpPr/>
+        <p:nvPr/>
+      </p:nvGrpSpPr>
+      <p:grpSpPr>
+        <a:xfrm>
+          <a:off x="0" y="0"/>
+          <a:ext cx="0" cy="0"/>
+          <a:chOff x="0" y="0"/>
+          <a:chExt cx="0" cy="0"/>
+        </a:xfrm>
+      </p:grpSpPr>
+      <p:sp>
+        <p:nvSpPr>
+          <p:cNvPr id="2" name="Titolo 1"/>
+          <p:cNvSpPr>
+            <a:spLocks noGrp="1"/>
+          </p:cNvSpPr>
+          <p:nvPr>
+            <p:ph type="title"/>
+          </p:nvPr>
+        </p:nvSpPr>
+        <p:spPr/>
+        <p:txBody>
+          <a:bodyPr/>
+          <a:lstStyle/>
+          <a:p>
+            <a:r>
+              <a:rPr lang="it-IT" dirty="0"/>
+              <a:t>Inserire in un </a:t>
+            </a:r>
+            <a:r>
+              <a:rPr lang="it-IT" b="1" i="1" dirty="0"/>
+              <a:t>2-3 </a:t>
+            </a:r>
+            <a:r>
+              <a:rPr lang="it-IT" b="1" i="1" dirty="0" err="1"/>
+              <a:t>dictionary</a:t>
+            </a:r>
+            <a:r>
+              <a:rPr lang="it-IT" b="1" i="1" dirty="0"/>
               <a:t>: a </a:t>
             </a:r>
             <a:r>
-              <a:rPr lang="it-IT" b="1" i="1" smtClean="0"/>
+              <a:rPr lang="it-IT" b="1" i="1"/>
               <a:t>node</a:t>
             </a:r>
             <a:endParaRPr lang="it-IT" dirty="0"/>
@@ -4436,13 +4497,6 @@
   <p:clrMapOvr>
     <a:masterClrMapping/>
   </p:clrMapOvr>
-  <p:timing>
-    <p:tnLst>
-      <p:par>
-        <p:cTn id="1" dur="indefinite" restart="never" nodeType="tmRoot"/>
-      </p:par>
-    </p:tnLst>
-  </p:timing>
 </p:sld>
 </file>
 
@@ -4479,19 +4533,19 @@
           <a:lstStyle/>
           <a:p>
             <a:r>
-              <a:rPr lang="it-IT" dirty="0" smtClean="0"/>
+              <a:rPr lang="it-IT" dirty="0"/>
               <a:t>2-3 </a:t>
             </a:r>
             <a:r>
-              <a:rPr lang="it-IT" dirty="0" err="1" smtClean="0"/>
+              <a:rPr lang="it-IT" dirty="0" err="1"/>
               <a:t>trees</a:t>
             </a:r>
             <a:r>
-              <a:rPr lang="it-IT" dirty="0" smtClean="0"/>
+              <a:rPr lang="it-IT" dirty="0"/>
               <a:t> e 2-3 </a:t>
             </a:r>
             <a:r>
-              <a:rPr lang="it-IT" dirty="0" err="1" smtClean="0"/>
+              <a:rPr lang="it-IT" dirty="0" err="1"/>
               <a:t>dictionary</a:t>
             </a:r>
             <a:endParaRPr lang="it-IT" dirty="0"/>
@@ -4514,37 +4568,37 @@
           <a:lstStyle/>
           <a:p>
             <a:r>
-              <a:rPr lang="it-IT" dirty="0" smtClean="0"/>
+              <a:rPr lang="it-IT" dirty="0"/>
               <a:t>Un </a:t>
             </a:r>
             <a:r>
-              <a:rPr lang="it-IT" b="1" i="1" dirty="0" smtClean="0"/>
+              <a:rPr lang="it-IT" b="1" i="1" dirty="0"/>
               <a:t>2-3 </a:t>
             </a:r>
             <a:r>
-              <a:rPr lang="it-IT" b="1" i="1" dirty="0" err="1" smtClean="0"/>
+              <a:rPr lang="it-IT" b="1" i="1" dirty="0" err="1"/>
               <a:t>tree</a:t>
             </a:r>
             <a:r>
-              <a:rPr lang="it-IT" b="1" i="1" dirty="0" smtClean="0"/>
+              <a:rPr lang="it-IT" b="1" i="1" dirty="0"/>
               <a:t> </a:t>
             </a:r>
             <a:r>
-              <a:rPr lang="it-IT" dirty="0" smtClean="0"/>
+              <a:rPr lang="it-IT" dirty="0"/>
               <a:t>è tale se:</a:t>
             </a:r>
           </a:p>
           <a:p>
             <a:pPr lvl="1"/>
             <a:r>
-              <a:rPr lang="it-IT" dirty="0" smtClean="0"/>
+              <a:rPr lang="it-IT" dirty="0"/>
               <a:t>Ogni nodo interno ha 2 o 3 nodi</a:t>
             </a:r>
           </a:p>
           <a:p>
             <a:pPr lvl="1"/>
             <a:r>
-              <a:rPr lang="it-IT" dirty="0" smtClean="0"/>
+              <a:rPr lang="it-IT" dirty="0"/>
               <a:t>Tutte le foglie sono allo stesso livello</a:t>
             </a:r>
           </a:p>
@@ -4554,24 +4608,8 @@
           </a:p>
           <a:p>
             <a:r>
-              <a:rPr lang="it-IT" dirty="0" smtClean="0"/>
+              <a:rPr lang="it-IT" dirty="0"/>
               <a:t>Un </a:t>
-            </a:r>
-            <a:r>
-              <a:rPr lang="it-IT" b="1" i="1" dirty="0" smtClean="0"/>
-              <a:t>2-3 </a:t>
-            </a:r>
-            <a:r>
-              <a:rPr lang="it-IT" b="1" i="1" dirty="0" err="1" smtClean="0"/>
-              <a:t>dictionary</a:t>
-            </a:r>
-            <a:r>
-              <a:rPr lang="it-IT" b="1" i="1" dirty="0" smtClean="0"/>
-              <a:t> </a:t>
-            </a:r>
-            <a:r>
-              <a:rPr lang="it-IT" dirty="0" smtClean="0"/>
-              <a:t>è un </a:t>
             </a:r>
             <a:r>
               <a:rPr lang="it-IT" b="1" i="1" dirty="0"/>
@@ -4579,14 +4617,30 @@
             </a:r>
             <a:r>
               <a:rPr lang="it-IT" b="1" i="1" dirty="0" err="1"/>
-              <a:t>tree</a:t>
+              <a:t>dictionary</a:t>
             </a:r>
             <a:r>
               <a:rPr lang="it-IT" b="1" i="1" dirty="0"/>
               <a:t> </a:t>
             </a:r>
             <a:r>
-              <a:rPr lang="it-IT" dirty="0" smtClean="0"/>
+              <a:rPr lang="it-IT" dirty="0"/>
+              <a:t>è un </a:t>
+            </a:r>
+            <a:r>
+              <a:rPr lang="it-IT" b="1" i="1" dirty="0"/>
+              <a:t>2-3 </a:t>
+            </a:r>
+            <a:r>
+              <a:rPr lang="it-IT" b="1" i="1" dirty="0" err="1"/>
+              <a:t>tree</a:t>
+            </a:r>
+            <a:r>
+              <a:rPr lang="it-IT" b="1" i="1" dirty="0"/>
+              <a:t> </a:t>
+            </a:r>
+            <a:r>
+              <a:rPr lang="it-IT" dirty="0"/>
               <a:t>tale che tutte le foglie sono ordinate da sinistra verso destra:</a:t>
             </a:r>
           </a:p>
@@ -4594,42 +4648,28 @@
             <a:pPr lvl="1"/>
             <a:r>
               <a:rPr lang="it-IT" dirty="0"/>
-              <a:t>se un nodo interno ha</a:t>
-            </a:r>
-            <a:r>
-              <a:rPr lang="it-IT" dirty="0" smtClean="0"/>
-              <a:t> 2 sottoalberi, il nodo contiene il minimo elemento del 2° sottoalbero (M2)</a:t>
+              <a:t>se un nodo interno ha 2 sottoalberi, il nodo contiene il minimo elemento del 2° sottoalbero (M2)</a:t>
             </a:r>
           </a:p>
           <a:p>
             <a:pPr lvl="1"/>
             <a:r>
-              <a:rPr lang="it-IT" dirty="0" smtClean="0"/>
-              <a:t>se un nodo interno ha 3 sottoalberi</a:t>
-            </a:r>
-            <a:r>
               <a:rPr lang="it-IT" dirty="0"/>
-              <a:t>, il nodo contiene il minimo elemento del </a:t>
-            </a:r>
-            <a:r>
-              <a:rPr lang="it-IT" dirty="0" smtClean="0"/>
-              <a:t>2° e 3° sottoalbero (M1 e M2)</a:t>
-            </a:r>
+              <a:t>se un nodo interno ha 3 sottoalberi, il nodo contiene il minimo elemento del 2° e 3° sottoalbero (M1 e M2)</a:t>
+            </a:r>
+          </a:p>
+          <a:p>
+            <a:pPr lvl="1"/>
             <a:endParaRPr lang="it-IT" dirty="0"/>
           </a:p>
           <a:p>
-            <a:pPr lvl="1"/>
-            <a:endParaRPr lang="it-IT" dirty="0" smtClean="0"/>
-          </a:p>
-          <a:p>
             <a:pPr marL="457200" lvl="1" indent="0">
               <a:buNone/>
             </a:pPr>
             <a:r>
-              <a:rPr lang="it-IT" dirty="0" smtClean="0"/>
+              <a:rPr lang="it-IT" dirty="0"/>
               <a:t> </a:t>
             </a:r>
-            <a:endParaRPr lang="it-IT" dirty="0"/>
           </a:p>
         </p:txBody>
       </p:sp>
@@ -4643,13 +4683,6 @@
   <p:clrMapOvr>
     <a:masterClrMapping/>
   </p:clrMapOvr>
-  <p:timing>
-    <p:tnLst>
-      <p:par>
-        <p:cTn id="1" dur="indefinite" restart="never" nodeType="tmRoot"/>
-      </p:par>
-    </p:tnLst>
-  </p:timing>
 </p:sld>
 </file>
 
@@ -4686,18 +4719,17 @@
           <a:lstStyle/>
           <a:p>
             <a:r>
-              <a:rPr lang="it-IT" dirty="0" smtClean="0"/>
+              <a:rPr lang="it-IT" dirty="0"/>
               <a:t>2-3 </a:t>
             </a:r>
             <a:r>
-              <a:rPr lang="it-IT" dirty="0" err="1" smtClean="0"/>
+              <a:rPr lang="it-IT" dirty="0" err="1"/>
               <a:t>dictionary</a:t>
             </a:r>
             <a:r>
-              <a:rPr lang="it-IT" dirty="0" smtClean="0"/>
+              <a:rPr lang="it-IT" dirty="0"/>
               <a:t>: esempio</a:t>
             </a:r>
-            <a:endParaRPr lang="it-IT" dirty="0"/>
           </a:p>
         </p:txBody>
       </p:sp>
@@ -4794,13 +4826,6 @@
   <p:clrMapOvr>
     <a:masterClrMapping/>
   </p:clrMapOvr>
-  <p:timing>
-    <p:tnLst>
-      <p:par>
-        <p:cTn id="1" dur="indefinite" restart="never" nodeType="tmRoot"/>
-      </p:par>
-    </p:tnLst>
-  </p:timing>
 </p:sld>
 </file>
 
@@ -4837,15 +4862,15 @@
           <a:lstStyle/>
           <a:p>
             <a:r>
-              <a:rPr lang="it-IT" dirty="0" smtClean="0"/>
+              <a:rPr lang="it-IT" dirty="0"/>
               <a:t>Ricerca in un </a:t>
             </a:r>
             <a:r>
-              <a:rPr lang="it-IT" b="1" i="1" dirty="0" smtClean="0"/>
+              <a:rPr lang="it-IT" b="1" i="1" dirty="0"/>
               <a:t>2-3 </a:t>
             </a:r>
             <a:r>
-              <a:rPr lang="it-IT" b="1" i="1" dirty="0" err="1" smtClean="0"/>
+              <a:rPr lang="it-IT" b="1" i="1" dirty="0" err="1"/>
               <a:t>dictionary</a:t>
             </a:r>
             <a:endParaRPr lang="it-IT" b="1" i="1" dirty="0"/>
@@ -4867,67 +4892,46 @@
           <a:bodyPr/>
           <a:lstStyle/>
           <a:p>
-            <a:endParaRPr lang="it-IT" dirty="0" smtClean="0"/>
-          </a:p>
-          <a:p>
-            <a:pPr marL="0" indent="0">
-              <a:buNone/>
-            </a:pPr>
-            <a:r>
-              <a:rPr lang="it-IT" dirty="0" smtClean="0"/>
+            <a:endParaRPr lang="it-IT" dirty="0"/>
+          </a:p>
+          <a:p>
+            <a:pPr marL="0" indent="0">
+              <a:buNone/>
+            </a:pPr>
+            <a:r>
+              <a:rPr lang="it-IT" dirty="0"/>
               <a:t>Se la radice contiene M1 e M2 cercare X secondo questi criteri:</a:t>
             </a:r>
           </a:p>
           <a:p>
             <a:r>
-              <a:rPr lang="it-IT" dirty="0" smtClean="0"/>
+              <a:rPr lang="it-IT" dirty="0"/>
               <a:t>se X &lt; M1, cercare X nel sottoalbero più a sinistra</a:t>
             </a:r>
           </a:p>
           <a:p>
             <a:r>
               <a:rPr lang="it-IT" dirty="0"/>
-              <a:t>se X &lt; </a:t>
-            </a:r>
-            <a:r>
-              <a:rPr lang="it-IT" dirty="0" smtClean="0"/>
-              <a:t>M2, </a:t>
-            </a:r>
+              <a:t>se X &lt; M2, cercare X nel sottoalbero centrale</a:t>
+            </a:r>
+          </a:p>
+          <a:p>
             <a:r>
               <a:rPr lang="it-IT" dirty="0"/>
-              <a:t>cercare X nel sottoalbero </a:t>
-            </a:r>
-            <a:r>
-              <a:rPr lang="it-IT" dirty="0" smtClean="0"/>
-              <a:t>centrale</a:t>
-            </a:r>
-          </a:p>
-          <a:p>
-            <a:r>
-              <a:rPr lang="it-IT" dirty="0" smtClean="0"/>
-              <a:t>altrimenti, </a:t>
-            </a:r>
-            <a:r>
-              <a:rPr lang="it-IT" dirty="0"/>
-              <a:t>cercare X nel sottoalbero </a:t>
-            </a:r>
-            <a:r>
-              <a:rPr lang="it-IT" dirty="0" smtClean="0"/>
-              <a:t>di destra</a:t>
-            </a:r>
+              <a:t>altrimenti, cercare X nel sottoalbero di destra</a:t>
+            </a:r>
+          </a:p>
+          <a:p>
             <a:endParaRPr lang="it-IT" dirty="0"/>
           </a:p>
           <a:p>
             <a:endParaRPr lang="it-IT" dirty="0"/>
           </a:p>
           <a:p>
-            <a:endParaRPr lang="it-IT" dirty="0" smtClean="0"/>
-          </a:p>
-          <a:p>
-            <a:pPr marL="0" indent="0">
-              <a:buNone/>
-            </a:pPr>
-            <a:endParaRPr lang="it-IT" dirty="0" smtClean="0"/>
+            <a:pPr marL="0" indent="0">
+              <a:buNone/>
+            </a:pPr>
+            <a:endParaRPr lang="it-IT" dirty="0"/>
           </a:p>
           <a:p>
             <a:pPr marL="0" indent="0">
@@ -4947,13 +4951,6 @@
   <p:clrMapOvr>
     <a:masterClrMapping/>
   </p:clrMapOvr>
-  <p:timing>
-    <p:tnLst>
-      <p:par>
-        <p:cTn id="1" dur="indefinite" restart="never" nodeType="tmRoot"/>
-      </p:par>
-    </p:tnLst>
-  </p:timing>
 </p:sld>
 </file>
 
@@ -5024,7 +5021,7 @@
               <a:buNone/>
             </a:pPr>
             <a:r>
-              <a:rPr lang="it-IT" dirty="0" smtClean="0"/>
+              <a:rPr lang="it-IT" dirty="0"/>
               <a:t>Definendo:</a:t>
             </a:r>
           </a:p>
@@ -5037,11 +5034,11 @@
               <a:t>	</a:t>
             </a:r>
             <a:r>
-              <a:rPr lang="it-IT" dirty="0" err="1" smtClean="0"/>
+              <a:rPr lang="it-IT" dirty="0" err="1"/>
               <a:t>nil</a:t>
             </a:r>
             <a:r>
-              <a:rPr lang="it-IT" dirty="0" smtClean="0"/>
+              <a:rPr lang="it-IT" dirty="0"/>
               <a:t> albero vuoto</a:t>
             </a:r>
           </a:p>
@@ -5051,19 +5048,15 @@
             </a:pPr>
             <a:r>
               <a:rPr lang="it-IT" dirty="0"/>
-              <a:t>	</a:t>
-            </a:r>
-            <a:r>
-              <a:rPr lang="it-IT" dirty="0" smtClean="0"/>
-              <a:t>1(X) un nodo terminale</a:t>
-            </a:r>
-          </a:p>
-          <a:p>
-            <a:pPr marL="0" indent="0">
-              <a:buNone/>
-            </a:pPr>
-            <a:r>
-              <a:rPr lang="it-IT" dirty="0" smtClean="0"/>
+              <a:t>	1(X) un nodo terminale</a:t>
+            </a:r>
+          </a:p>
+          <a:p>
+            <a:pPr marL="0" indent="0">
+              <a:buNone/>
+            </a:pPr>
+            <a:r>
+              <a:rPr lang="it-IT" dirty="0"/>
               <a:t>	n2(T1,M2,T2) </a:t>
             </a:r>
           </a:p>
@@ -5073,68 +5066,56 @@
             </a:pPr>
             <a:r>
               <a:rPr lang="it-IT" dirty="0"/>
-              <a:t>	</a:t>
-            </a:r>
-            <a:r>
-              <a:rPr lang="it-IT" dirty="0" smtClean="0"/>
-              <a:t>	il </a:t>
-            </a:r>
-            <a:r>
-              <a:rPr lang="it-IT" b="1" i="1" dirty="0" smtClean="0"/>
-              <a:t>2-3 </a:t>
-            </a:r>
-            <a:r>
-              <a:rPr lang="it-IT" b="1" i="1" dirty="0" err="1" smtClean="0"/>
-              <a:t>tree</a:t>
-            </a:r>
-            <a:r>
-              <a:rPr lang="it-IT" b="1" i="1" dirty="0" smtClean="0"/>
-              <a:t> </a:t>
-            </a:r>
-            <a:r>
-              <a:rPr lang="it-IT" dirty="0" smtClean="0"/>
-              <a:t>con due sottoalberi</a:t>
-            </a:r>
-          </a:p>
-          <a:p>
-            <a:pPr marL="0" indent="0">
-              <a:buNone/>
-            </a:pPr>
-            <a:r>
-              <a:rPr lang="it-IT" dirty="0"/>
-              <a:t>	</a:t>
-            </a:r>
-            <a:r>
-              <a:rPr lang="it-IT" dirty="0" smtClean="0"/>
-              <a:t>n3(T1,M1,T2,M2,T3) </a:t>
-            </a:r>
-          </a:p>
-          <a:p>
-            <a:pPr marL="0" indent="0">
-              <a:buNone/>
-            </a:pPr>
-            <a:r>
-              <a:rPr lang="it-IT" dirty="0"/>
-              <a:t>	</a:t>
-            </a:r>
-            <a:r>
-              <a:rPr lang="it-IT" dirty="0" smtClean="0"/>
-              <a:t>	il </a:t>
+              <a:t>		il </a:t>
             </a:r>
             <a:r>
               <a:rPr lang="it-IT" b="1" i="1" dirty="0"/>
               <a:t>2-3 </a:t>
             </a:r>
             <a:r>
-              <a:rPr lang="it-IT" b="1" i="1" dirty="0" err="1" smtClean="0"/>
+              <a:rPr lang="it-IT" b="1" i="1" dirty="0" err="1"/>
               <a:t>tree</a:t>
             </a:r>
             <a:r>
-              <a:rPr lang="it-IT" i="1" dirty="0" smtClean="0"/>
+              <a:rPr lang="it-IT" b="1" i="1" dirty="0"/>
               <a:t> </a:t>
             </a:r>
             <a:r>
-              <a:rPr lang="it-IT" dirty="0" smtClean="0"/>
+              <a:rPr lang="it-IT" dirty="0"/>
+              <a:t>con due sottoalberi</a:t>
+            </a:r>
+          </a:p>
+          <a:p>
+            <a:pPr marL="0" indent="0">
+              <a:buNone/>
+            </a:pPr>
+            <a:r>
+              <a:rPr lang="it-IT" dirty="0"/>
+              <a:t>	n3(T1,M1,T2,M2,T3) </a:t>
+            </a:r>
+          </a:p>
+          <a:p>
+            <a:pPr marL="0" indent="0">
+              <a:buNone/>
+            </a:pPr>
+            <a:r>
+              <a:rPr lang="it-IT" dirty="0"/>
+              <a:t>		il </a:t>
+            </a:r>
+            <a:r>
+              <a:rPr lang="it-IT" b="1" i="1" dirty="0"/>
+              <a:t>2-3 </a:t>
+            </a:r>
+            <a:r>
+              <a:rPr lang="it-IT" b="1" i="1" dirty="0" err="1"/>
+              <a:t>tree</a:t>
+            </a:r>
+            <a:r>
+              <a:rPr lang="it-IT" i="1" dirty="0"/>
+              <a:t> </a:t>
+            </a:r>
+            <a:r>
+              <a:rPr lang="it-IT" dirty="0"/>
               <a:t>con tre sottoalberi</a:t>
             </a:r>
           </a:p>
@@ -5143,7 +5124,7 @@
               <a:buNone/>
             </a:pPr>
             <a:r>
-              <a:rPr lang="it-IT" dirty="0" smtClean="0"/>
+              <a:rPr lang="it-IT" dirty="0"/>
               <a:t>Si scriva:</a:t>
             </a:r>
           </a:p>
@@ -5153,26 +5134,22 @@
             </a:pPr>
             <a:r>
               <a:rPr lang="it-IT" dirty="0"/>
-              <a:t>	</a:t>
-            </a:r>
-            <a:r>
-              <a:rPr lang="it-IT" dirty="0" smtClean="0"/>
-              <a:t>in(X,T) vero se X è nel </a:t>
-            </a:r>
-            <a:r>
-              <a:rPr lang="it-IT" b="1" i="1" dirty="0" smtClean="0"/>
+              <a:t>	in(X,T) vero se X è nel </a:t>
+            </a:r>
+            <a:r>
+              <a:rPr lang="it-IT" b="1" i="1" dirty="0"/>
               <a:t>2-3 </a:t>
             </a:r>
             <a:r>
-              <a:rPr lang="it-IT" b="1" i="1" dirty="0" err="1" smtClean="0"/>
+              <a:rPr lang="it-IT" b="1" i="1" dirty="0" err="1"/>
               <a:t>tree</a:t>
             </a:r>
             <a:r>
-              <a:rPr lang="it-IT" b="1" i="1" dirty="0" smtClean="0"/>
+              <a:rPr lang="it-IT" b="1" i="1" dirty="0"/>
               <a:t> </a:t>
             </a:r>
             <a:r>
-              <a:rPr lang="it-IT" dirty="0" smtClean="0"/>
+              <a:rPr lang="it-IT" dirty="0"/>
               <a:t>T</a:t>
             </a:r>
             <a:endParaRPr lang="it-IT" b="1" i="1" dirty="0"/>
@@ -5189,13 +5166,6 @@
   <p:clrMapOvr>
     <a:masterClrMapping/>
   </p:clrMapOvr>
-  <p:timing>
-    <p:tnLst>
-      <p:par>
-        <p:cTn id="1" dur="indefinite" restart="never" nodeType="tmRoot"/>
-      </p:par>
-    </p:tnLst>
-  </p:timing>
 </p:sld>
 </file>
 
@@ -5218,7 +5188,13 @@
       </p:grpSpPr>
       <p:sp>
         <p:nvSpPr>
-          <p:cNvPr id="2" name="Titolo 1"/>
+          <p:cNvPr id="2" name="Titolo 1">
+            <a:extLst>
+              <a:ext uri="{FF2B5EF4-FFF2-40B4-BE49-F238E27FC236}">
+                <a16:creationId xmlns:a16="http://schemas.microsoft.com/office/drawing/2014/main" id="{D7D15E0E-ECA1-4165-8690-ED9C11D6AE28}"/>
+              </a:ext>
+            </a:extLst>
+          </p:cNvPr>
           <p:cNvSpPr>
             <a:spLocks noGrp="1"/>
           </p:cNvSpPr>
@@ -5232,15 +5208,424 @@
           <a:lstStyle/>
           <a:p>
             <a:r>
-              <a:rPr lang="it-IT" dirty="0" smtClean="0"/>
+              <a:rPr lang="it-IT" dirty="0"/>
+              <a:t>Ricerca in un </a:t>
+            </a:r>
+            <a:r>
+              <a:rPr lang="it-IT" b="1" i="1" dirty="0"/>
+              <a:t>2-3 </a:t>
+            </a:r>
+            <a:r>
+              <a:rPr lang="it-IT" b="1" i="1" dirty="0" err="1"/>
+              <a:t>dictionary</a:t>
+            </a:r>
+            <a:endParaRPr lang="it-IT" dirty="0"/>
+          </a:p>
+        </p:txBody>
+      </p:sp>
+      <p:sp>
+        <p:nvSpPr>
+          <p:cNvPr id="3" name="Segnaposto contenuto 2">
+            <a:extLst>
+              <a:ext uri="{FF2B5EF4-FFF2-40B4-BE49-F238E27FC236}">
+                <a16:creationId xmlns:a16="http://schemas.microsoft.com/office/drawing/2014/main" id="{AC22E7A4-8A5D-4798-8F0B-B3F0EB139840}"/>
+              </a:ext>
+            </a:extLst>
+          </p:cNvPr>
+          <p:cNvSpPr>
+            <a:spLocks noGrp="1"/>
+          </p:cNvSpPr>
+          <p:nvPr>
+            <p:ph idx="1"/>
+          </p:nvPr>
+        </p:nvSpPr>
+        <p:spPr>
+          <a:xfrm>
+            <a:off x="685800" y="1371600"/>
+            <a:ext cx="3958208" cy="4724400"/>
+          </a:xfrm>
+        </p:spPr>
+        <p:txBody>
+          <a:bodyPr/>
+          <a:lstStyle/>
+          <a:p>
+            <a:pPr marL="0" indent="0">
+              <a:buNone/>
+            </a:pPr>
+            <a:r>
+              <a:rPr lang="it-IT" sz="1600" dirty="0"/>
+              <a:t>% caso base: albero vuoto</a:t>
+            </a:r>
+          </a:p>
+          <a:p>
+            <a:pPr marL="0" indent="0">
+              <a:buNone/>
+            </a:pPr>
+            <a:r>
+              <a:rPr lang="it-IT" sz="1600" dirty="0"/>
+              <a:t>in(_, </a:t>
+            </a:r>
+            <a:r>
+              <a:rPr lang="it-IT" sz="1600" dirty="0" err="1"/>
+              <a:t>nil</a:t>
+            </a:r>
+            <a:r>
+              <a:rPr lang="it-IT" sz="1600" dirty="0"/>
+              <a:t>) :- </a:t>
+            </a:r>
+            <a:r>
+              <a:rPr lang="it-IT" sz="1600" dirty="0" err="1"/>
+              <a:t>fail</a:t>
+            </a:r>
+            <a:r>
+              <a:rPr lang="it-IT" sz="1600" dirty="0"/>
+              <a:t>.</a:t>
+            </a:r>
+          </a:p>
+          <a:p>
+            <a:pPr marL="0" indent="0">
+              <a:buNone/>
+            </a:pPr>
+            <a:endParaRPr lang="it-IT" sz="1600" dirty="0"/>
+          </a:p>
+          <a:p>
+            <a:pPr marL="0" indent="0">
+              <a:buNone/>
+            </a:pPr>
+            <a:r>
+              <a:rPr lang="it-IT" sz="1600" dirty="0"/>
+              <a:t>% caso foglia</a:t>
+            </a:r>
+          </a:p>
+          <a:p>
+            <a:pPr marL="0" indent="0">
+              <a:buNone/>
+            </a:pPr>
+            <a:r>
+              <a:rPr lang="it-IT" sz="1600" dirty="0"/>
+              <a:t>in(X, 1(X)).</a:t>
+            </a:r>
+          </a:p>
+          <a:p>
+            <a:pPr marL="0" indent="0">
+              <a:buNone/>
+            </a:pPr>
+            <a:endParaRPr lang="it-IT" sz="1600" dirty="0"/>
+          </a:p>
+          <a:p>
+            <a:pPr marL="0" indent="0">
+              <a:buNone/>
+            </a:pPr>
+            <a:r>
+              <a:rPr lang="it-IT" sz="1600" dirty="0"/>
+              <a:t>% nodo n2</a:t>
+            </a:r>
+          </a:p>
+          <a:p>
+            <a:pPr marL="0" indent="0">
+              <a:buNone/>
+            </a:pPr>
+            <a:r>
+              <a:rPr lang="it-IT" sz="1600" dirty="0"/>
+              <a:t>in(X, n2(T1, M2, _)) :-</a:t>
+            </a:r>
+          </a:p>
+          <a:p>
+            <a:pPr marL="0" indent="0">
+              <a:buNone/>
+            </a:pPr>
+            <a:r>
+              <a:rPr lang="it-IT" sz="1600" dirty="0"/>
+              <a:t>    X &lt; M2,</a:t>
+            </a:r>
+          </a:p>
+          <a:p>
+            <a:pPr marL="0" indent="0">
+              <a:buNone/>
+            </a:pPr>
+            <a:r>
+              <a:rPr lang="it-IT" sz="1600" dirty="0"/>
+              <a:t>    in(X, T1).</a:t>
+            </a:r>
+          </a:p>
+          <a:p>
+            <a:pPr marL="0" indent="0">
+              <a:buNone/>
+            </a:pPr>
+            <a:r>
+              <a:rPr lang="it-IT" sz="1600" dirty="0"/>
+              <a:t>in(M2, n2(_, M2, _)).  % trovato uguale alla chiave</a:t>
+            </a:r>
+          </a:p>
+          <a:p>
+            <a:pPr marL="0" indent="0">
+              <a:buNone/>
+            </a:pPr>
+            <a:r>
+              <a:rPr lang="it-IT" sz="1600" dirty="0"/>
+              <a:t>in(X, n2(_, M2, T2)) :-</a:t>
+            </a:r>
+          </a:p>
+          <a:p>
+            <a:pPr marL="0" indent="0">
+              <a:buNone/>
+            </a:pPr>
+            <a:r>
+              <a:rPr lang="it-IT" sz="1600" dirty="0"/>
+              <a:t>    X &gt; M2,</a:t>
+            </a:r>
+          </a:p>
+          <a:p>
+            <a:pPr marL="0" indent="0">
+              <a:buNone/>
+            </a:pPr>
+            <a:r>
+              <a:rPr lang="it-IT" sz="1600" dirty="0"/>
+              <a:t>    in(X, T2).</a:t>
+            </a:r>
+          </a:p>
+          <a:p>
+            <a:pPr marL="0" indent="0">
+              <a:buNone/>
+            </a:pPr>
+            <a:endParaRPr lang="it-IT" sz="1400" dirty="0"/>
+          </a:p>
+          <a:p>
+            <a:pPr marL="0" indent="0">
+              <a:buNone/>
+            </a:pPr>
+            <a:endParaRPr lang="it-IT" sz="1400" dirty="0"/>
+          </a:p>
+        </p:txBody>
+      </p:sp>
+      <p:sp>
+        <p:nvSpPr>
+          <p:cNvPr id="5" name="CasellaDiTesto 4">
+            <a:extLst>
+              <a:ext uri="{FF2B5EF4-FFF2-40B4-BE49-F238E27FC236}">
+                <a16:creationId xmlns:a16="http://schemas.microsoft.com/office/drawing/2014/main" id="{10CD4D5F-4F5F-4CDD-814C-B4FE65794867}"/>
+              </a:ext>
+            </a:extLst>
+          </p:cNvPr>
+          <p:cNvSpPr txBox="1"/>
+          <p:nvPr/>
+        </p:nvSpPr>
+        <p:spPr>
+          <a:xfrm>
+            <a:off x="4788024" y="1772816"/>
+            <a:ext cx="3816424" cy="3046988"/>
+          </a:xfrm>
+          <a:prstGeom prst="rect">
+            <a:avLst/>
+          </a:prstGeom>
+          <a:noFill/>
+        </p:spPr>
+        <p:txBody>
+          <a:bodyPr wrap="square" rtlCol="0">
+            <a:spAutoFit/>
+          </a:bodyPr>
+          <a:lstStyle/>
+          <a:p>
+            <a:pPr marL="0" indent="0">
+              <a:buNone/>
+            </a:pPr>
+            <a:r>
+              <a:rPr lang="it-IT" sz="1600" dirty="0"/>
+              <a:t>% nodo n3</a:t>
+            </a:r>
+          </a:p>
+          <a:p>
+            <a:pPr marL="0" indent="0">
+              <a:buNone/>
+            </a:pPr>
+            <a:r>
+              <a:rPr lang="it-IT" sz="1600" dirty="0"/>
+              <a:t>in(X, n3(T1, M1, _, _, _)) :-</a:t>
+            </a:r>
+          </a:p>
+          <a:p>
+            <a:pPr marL="0" indent="0">
+              <a:buNone/>
+            </a:pPr>
+            <a:r>
+              <a:rPr lang="it-IT" sz="1600" dirty="0"/>
+              <a:t>    X &lt; M1,</a:t>
+            </a:r>
+          </a:p>
+          <a:p>
+            <a:pPr marL="0" indent="0">
+              <a:buNone/>
+            </a:pPr>
+            <a:r>
+              <a:rPr lang="it-IT" sz="1600" dirty="0"/>
+              <a:t>    in(X, T1).</a:t>
+            </a:r>
+          </a:p>
+          <a:p>
+            <a:pPr marL="0" indent="0">
+              <a:buNone/>
+            </a:pPr>
+            <a:r>
+              <a:rPr lang="it-IT" sz="1600" dirty="0"/>
+              <a:t>in(M1, n3(_, M1, _, _, _)). % trovato M1</a:t>
+            </a:r>
+          </a:p>
+          <a:p>
+            <a:pPr marL="0" indent="0">
+              <a:buNone/>
+            </a:pPr>
+            <a:r>
+              <a:rPr lang="it-IT" sz="1600" dirty="0"/>
+              <a:t>in(X, n3(_, M1, T2, M2, _)) :-</a:t>
+            </a:r>
+          </a:p>
+          <a:p>
+            <a:pPr marL="0" indent="0">
+              <a:buNone/>
+            </a:pPr>
+            <a:r>
+              <a:rPr lang="it-IT" sz="1600" dirty="0"/>
+              <a:t>    X &gt; M1, X &lt; M2,</a:t>
+            </a:r>
+          </a:p>
+          <a:p>
+            <a:pPr marL="0" indent="0">
+              <a:buNone/>
+            </a:pPr>
+            <a:r>
+              <a:rPr lang="it-IT" sz="1600" dirty="0"/>
+              <a:t>    in(X, T2).</a:t>
+            </a:r>
+          </a:p>
+          <a:p>
+            <a:pPr marL="0" indent="0">
+              <a:buNone/>
+            </a:pPr>
+            <a:r>
+              <a:rPr lang="it-IT" sz="1600" dirty="0"/>
+              <a:t>in(M2, n3(_, _, _, M2, _)). % trovato M2</a:t>
+            </a:r>
+          </a:p>
+          <a:p>
+            <a:pPr marL="0" indent="0">
+              <a:buNone/>
+            </a:pPr>
+            <a:r>
+              <a:rPr lang="it-IT" sz="1600" dirty="0"/>
+              <a:t>in(X, n3(_, _, _, M2, T3)) :-</a:t>
+            </a:r>
+          </a:p>
+          <a:p>
+            <a:pPr marL="0" indent="0">
+              <a:buNone/>
+            </a:pPr>
+            <a:r>
+              <a:rPr lang="it-IT" sz="1600" dirty="0"/>
+              <a:t>    X &gt; M2,</a:t>
+            </a:r>
+          </a:p>
+          <a:p>
+            <a:pPr marL="0" indent="0">
+              <a:buNone/>
+            </a:pPr>
+            <a:r>
+              <a:rPr lang="it-IT" sz="1600" dirty="0"/>
+              <a:t>    in(X, T3).</a:t>
+            </a:r>
+          </a:p>
+        </p:txBody>
+      </p:sp>
+      <p:cxnSp>
+        <p:nvCxnSpPr>
+          <p:cNvPr id="7" name="Connettore diritto 6">
+            <a:extLst>
+              <a:ext uri="{FF2B5EF4-FFF2-40B4-BE49-F238E27FC236}">
+                <a16:creationId xmlns:a16="http://schemas.microsoft.com/office/drawing/2014/main" id="{A4738E46-D395-42E1-A7DF-523BC0D1C026}"/>
+              </a:ext>
+            </a:extLst>
+          </p:cNvPr>
+          <p:cNvCxnSpPr/>
+          <p:nvPr/>
+        </p:nvCxnSpPr>
+        <p:spPr>
+          <a:xfrm>
+            <a:off x="4572000" y="1371600"/>
+            <a:ext cx="0" cy="4865712"/>
+          </a:xfrm>
+          <a:prstGeom prst="line">
+            <a:avLst/>
+          </a:prstGeom>
+        </p:spPr>
+        <p:style>
+          <a:lnRef idx="1">
+            <a:schemeClr val="accent1"/>
+          </a:lnRef>
+          <a:fillRef idx="0">
+            <a:schemeClr val="accent1"/>
+          </a:fillRef>
+          <a:effectRef idx="0">
+            <a:schemeClr val="accent1"/>
+          </a:effectRef>
+          <a:fontRef idx="minor">
+            <a:schemeClr val="tx1"/>
+          </a:fontRef>
+        </p:style>
+      </p:cxnSp>
+    </p:spTree>
+    <p:extLst>
+      <p:ext uri="{BB962C8B-B14F-4D97-AF65-F5344CB8AC3E}">
+        <p14:creationId xmlns:p14="http://schemas.microsoft.com/office/powerpoint/2010/main" val="3137129030"/>
+      </p:ext>
+    </p:extLst>
+  </p:cSld>
+  <p:clrMapOvr>
+    <a:masterClrMapping/>
+  </p:clrMapOvr>
+</p:sld>
+</file>
+
+<file path=ppt/slides/slide7.xml><?xml version="1.0" encoding="utf-8"?>
+<p:sld xmlns:a="http://schemas.openxmlformats.org/drawingml/2006/main" xmlns:r="http://schemas.openxmlformats.org/officeDocument/2006/relationships" xmlns:p="http://schemas.openxmlformats.org/presentationml/2006/main">
+  <p:cSld>
+    <p:spTree>
+      <p:nvGrpSpPr>
+        <p:cNvPr id="1" name=""/>
+        <p:cNvGrpSpPr/>
+        <p:nvPr/>
+      </p:nvGrpSpPr>
+      <p:grpSpPr>
+        <a:xfrm>
+          <a:off x="0" y="0"/>
+          <a:ext cx="0" cy="0"/>
+          <a:chOff x="0" y="0"/>
+          <a:chExt cx="0" cy="0"/>
+        </a:xfrm>
+      </p:grpSpPr>
+      <p:sp>
+        <p:nvSpPr>
+          <p:cNvPr id="2" name="Titolo 1"/>
+          <p:cNvSpPr>
+            <a:spLocks noGrp="1"/>
+          </p:cNvSpPr>
+          <p:nvPr>
+            <p:ph type="title"/>
+          </p:nvPr>
+        </p:nvSpPr>
+        <p:spPr/>
+        <p:txBody>
+          <a:bodyPr/>
+          <a:lstStyle/>
+          <a:p>
+            <a:r>
+              <a:rPr lang="it-IT" dirty="0"/>
               <a:t>Inserire in un </a:t>
             </a:r>
             <a:r>
-              <a:rPr lang="it-IT" b="1" i="1" dirty="0" smtClean="0"/>
+              <a:rPr lang="it-IT" b="1" i="1" dirty="0"/>
               <a:t>2-3 </a:t>
             </a:r>
             <a:r>
-              <a:rPr lang="it-IT" b="1" i="1" dirty="0" err="1" smtClean="0"/>
+              <a:rPr lang="it-IT" b="1" i="1" dirty="0" err="1"/>
               <a:t>dictionary</a:t>
             </a:r>
             <a:endParaRPr lang="it-IT" b="1" i="1" dirty="0"/>
@@ -5321,193 +5706,6 @@
   <p:clrMapOvr>
     <a:masterClrMapping/>
   </p:clrMapOvr>
-  <p:timing>
-    <p:tnLst>
-      <p:par>
-        <p:cTn id="1" dur="indefinite" restart="never" nodeType="tmRoot"/>
-      </p:par>
-    </p:tnLst>
-  </p:timing>
-</p:sld>
-</file>
-
-<file path=ppt/slides/slide7.xml><?xml version="1.0" encoding="utf-8"?>
-<p:sld xmlns:a="http://schemas.openxmlformats.org/drawingml/2006/main" xmlns:r="http://schemas.openxmlformats.org/officeDocument/2006/relationships" xmlns:p="http://schemas.openxmlformats.org/presentationml/2006/main">
-  <p:cSld>
-    <p:spTree>
-      <p:nvGrpSpPr>
-        <p:cNvPr id="1" name=""/>
-        <p:cNvGrpSpPr/>
-        <p:nvPr/>
-      </p:nvGrpSpPr>
-      <p:grpSpPr>
-        <a:xfrm>
-          <a:off x="0" y="0"/>
-          <a:ext cx="0" cy="0"/>
-          <a:chOff x="0" y="0"/>
-          <a:chExt cx="0" cy="0"/>
-        </a:xfrm>
-      </p:grpSpPr>
-      <p:sp>
-        <p:nvSpPr>
-          <p:cNvPr id="2" name="Titolo 1"/>
-          <p:cNvSpPr>
-            <a:spLocks noGrp="1"/>
-          </p:cNvSpPr>
-          <p:nvPr>
-            <p:ph type="title"/>
-          </p:nvPr>
-        </p:nvSpPr>
-        <p:spPr/>
-        <p:txBody>
-          <a:bodyPr/>
-          <a:lstStyle/>
-          <a:p>
-            <a:r>
-              <a:rPr lang="it-IT" dirty="0"/>
-              <a:t>Inserire in un </a:t>
-            </a:r>
-            <a:r>
-              <a:rPr lang="it-IT" b="1" i="1" dirty="0"/>
-              <a:t>2-3 </a:t>
-            </a:r>
-            <a:r>
-              <a:rPr lang="it-IT" b="1" i="1" dirty="0" err="1"/>
-              <a:t>dictionary</a:t>
-            </a:r>
-            <a:endParaRPr lang="it-IT" dirty="0"/>
-          </a:p>
-        </p:txBody>
-      </p:sp>
-      <p:sp>
-        <p:nvSpPr>
-          <p:cNvPr id="3" name="Segnaposto contenuto 2"/>
-          <p:cNvSpPr>
-            <a:spLocks noGrp="1"/>
-          </p:cNvSpPr>
-          <p:nvPr>
-            <p:ph idx="1"/>
-          </p:nvPr>
-        </p:nvSpPr>
-        <p:spPr/>
-        <p:txBody>
-          <a:bodyPr/>
-          <a:lstStyle/>
-          <a:p>
-            <a:pPr marL="0" indent="0">
-              <a:buNone/>
-            </a:pPr>
-            <a:r>
-              <a:rPr lang="it-IT" dirty="0" smtClean="0"/>
-              <a:t>Predicato:</a:t>
-            </a:r>
-          </a:p>
-          <a:p>
-            <a:r>
-              <a:rPr lang="it-IT" dirty="0" smtClean="0"/>
-              <a:t>add23(</a:t>
-            </a:r>
-            <a:r>
-              <a:rPr lang="it-IT" dirty="0" err="1" smtClean="0"/>
-              <a:t>Tree</a:t>
-            </a:r>
-            <a:r>
-              <a:rPr lang="it-IT" dirty="0" smtClean="0"/>
-              <a:t>, X, </a:t>
-            </a:r>
-            <a:r>
-              <a:rPr lang="it-IT" dirty="0" err="1" smtClean="0"/>
-              <a:t>NewTree</a:t>
-            </a:r>
-            <a:r>
-              <a:rPr lang="it-IT" dirty="0" smtClean="0"/>
-              <a:t>)</a:t>
-            </a:r>
-          </a:p>
-          <a:p>
-            <a:pPr marL="0" indent="0">
-              <a:buNone/>
-            </a:pPr>
-            <a:r>
-              <a:rPr lang="it-IT" dirty="0" smtClean="0"/>
-              <a:t>vero se </a:t>
-            </a:r>
-            <a:r>
-              <a:rPr lang="it-IT" dirty="0" err="1" smtClean="0"/>
-              <a:t>Tree</a:t>
-            </a:r>
-            <a:r>
-              <a:rPr lang="it-IT" dirty="0"/>
-              <a:t> </a:t>
-            </a:r>
-            <a:r>
-              <a:rPr lang="it-IT" dirty="0" smtClean="0"/>
-              <a:t>e </a:t>
-            </a:r>
-            <a:r>
-              <a:rPr lang="it-IT" dirty="0" err="1" smtClean="0"/>
-              <a:t>NewTree</a:t>
-            </a:r>
-            <a:r>
-              <a:rPr lang="it-IT" dirty="0" smtClean="0"/>
-              <a:t> sono 2-3 </a:t>
-            </a:r>
-            <a:r>
-              <a:rPr lang="it-IT" dirty="0" err="1" smtClean="0"/>
-              <a:t>dictionary</a:t>
-            </a:r>
-            <a:r>
-              <a:rPr lang="it-IT" dirty="0" smtClean="0"/>
-              <a:t> e </a:t>
-            </a:r>
-            <a:r>
-              <a:rPr lang="it-IT" dirty="0" err="1" smtClean="0"/>
-              <a:t>NewTree</a:t>
-            </a:r>
-            <a:r>
-              <a:rPr lang="it-IT" dirty="0" smtClean="0"/>
-              <a:t> è </a:t>
-            </a:r>
-            <a:r>
-              <a:rPr lang="it-IT" dirty="0" err="1" smtClean="0"/>
-              <a:t>Tree</a:t>
-            </a:r>
-            <a:r>
-              <a:rPr lang="it-IT" dirty="0" smtClean="0"/>
-              <a:t> con X</a:t>
-            </a:r>
-          </a:p>
-          <a:p>
-            <a:pPr marL="0" indent="0">
-              <a:buNone/>
-            </a:pPr>
-            <a:endParaRPr lang="it-IT" dirty="0"/>
-          </a:p>
-          <a:p>
-            <a:pPr marL="0" indent="0">
-              <a:buNone/>
-            </a:pPr>
-            <a:endParaRPr lang="it-IT" dirty="0"/>
-          </a:p>
-        </p:txBody>
-      </p:sp>
-    </p:spTree>
-    <p:extLst>
-      <p:ext uri="{BB962C8B-B14F-4D97-AF65-F5344CB8AC3E}">
-        <p14:creationId xmlns:p14="http://schemas.microsoft.com/office/powerpoint/2010/main" val="1780807291"/>
-      </p:ext>
-    </p:extLst>
-  </p:cSld>
-  <p:clrMapOvr>
-    <a:masterClrMapping/>
-  </p:clrMapOvr>
-  <p:timing>
-    <p:tnLst>
-      <p:par>
-        <p:cTn id="1" dur="indefinite" restart="never" nodeType="tmRoot"/>
-      </p:par>
-    </p:tnLst>
-  </p:timing>
 </p:sld>
 </file>
 
@@ -5574,147 +5772,89 @@
           <a:bodyPr/>
           <a:lstStyle/>
           <a:p>
-            <a:r>
-              <a:rPr lang="it-IT" dirty="0" smtClean="0"/>
-              <a:t>add23(T,X,NT)</a:t>
-            </a:r>
-          </a:p>
-          <a:p>
-            <a:pPr marL="0" indent="0">
-              <a:buNone/>
-            </a:pPr>
-            <a:r>
-              <a:rPr lang="it-IT" dirty="0" smtClean="0"/>
-              <a:t>richiede</a:t>
-            </a:r>
-          </a:p>
-          <a:p>
-            <a:pPr marL="0" indent="0">
-              <a:buNone/>
-            </a:pPr>
-            <a:endParaRPr lang="it-IT" b="1" i="1" dirty="0" smtClean="0"/>
-          </a:p>
-          <a:p>
-            <a:pPr marL="0" indent="0">
-              <a:buNone/>
-            </a:pPr>
-            <a:r>
-              <a:rPr lang="it-IT" b="1" i="1" dirty="0" err="1" smtClean="0"/>
-              <a:t>ins</a:t>
-            </a:r>
-            <a:r>
-              <a:rPr lang="it-IT" b="1" i="1" dirty="0" smtClean="0"/>
-              <a:t>(T,X,NT) </a:t>
-            </a:r>
-          </a:p>
-          <a:p>
-            <a:pPr marL="400050" lvl="1" indent="0">
-              <a:buNone/>
-            </a:pPr>
-            <a:r>
-              <a:rPr lang="it-IT" dirty="0" smtClean="0"/>
-              <a:t>come sopra ma vero se T e NT hanno la stessa altezza</a:t>
-            </a:r>
-          </a:p>
-          <a:p>
-            <a:pPr marL="0" indent="0">
-              <a:buNone/>
-            </a:pPr>
-            <a:r>
-              <a:rPr lang="it-IT" b="1" i="1" dirty="0"/>
-              <a:t> </a:t>
-            </a:r>
-            <a:endParaRPr lang="it-IT" b="1" i="1" dirty="0" smtClean="0"/>
-          </a:p>
-          <a:p>
-            <a:pPr marL="0" indent="0">
-              <a:buNone/>
-            </a:pPr>
-            <a:r>
-              <a:rPr lang="it-IT" b="1" i="1" dirty="0" err="1" smtClean="0"/>
-              <a:t>ins</a:t>
-            </a:r>
-            <a:r>
-              <a:rPr lang="it-IT" b="1" i="1" dirty="0" smtClean="0"/>
-              <a:t>(</a:t>
-            </a:r>
-            <a:r>
-              <a:rPr lang="it-IT" b="1" i="1" dirty="0" err="1" smtClean="0"/>
-              <a:t>T,X,NTa</a:t>
-            </a:r>
-            <a:r>
-              <a:rPr lang="it-IT" b="1" i="1" dirty="0" smtClean="0"/>
-              <a:t>, Mb, </a:t>
-            </a:r>
-            <a:r>
-              <a:rPr lang="it-IT" b="1" i="1" dirty="0" err="1" smtClean="0"/>
-              <a:t>NTb</a:t>
-            </a:r>
-            <a:r>
-              <a:rPr lang="it-IT" b="1" i="1" dirty="0" smtClean="0"/>
+            <a:pPr marL="0" indent="0">
+              <a:buNone/>
+            </a:pPr>
+            <a:r>
+              <a:rPr lang="it-IT" dirty="0"/>
+              <a:t>Predicato:</a:t>
+            </a:r>
+          </a:p>
+          <a:p>
+            <a:r>
+              <a:rPr lang="it-IT" dirty="0"/>
+              <a:t>add23(</a:t>
+            </a:r>
+            <a:r>
+              <a:rPr lang="it-IT" dirty="0" err="1"/>
+              <a:t>Tree</a:t>
+            </a:r>
+            <a:r>
+              <a:rPr lang="it-IT" dirty="0"/>
+              <a:t>, X, </a:t>
+            </a:r>
+            <a:r>
+              <a:rPr lang="it-IT" dirty="0" err="1"/>
+              <a:t>NewTree</a:t>
+            </a:r>
+            <a:r>
+              <a:rPr lang="it-IT" dirty="0"/>
               <a:t>)</a:t>
             </a:r>
           </a:p>
           <a:p>
-            <a:pPr marL="400050" lvl="2" indent="0">
-              <a:buNone/>
-            </a:pPr>
-            <a:r>
-              <a:rPr lang="it-IT" dirty="0" smtClean="0"/>
-              <a:t>Vero se T, </a:t>
-            </a:r>
-            <a:r>
-              <a:rPr lang="it-IT" dirty="0" err="1" smtClean="0"/>
-              <a:t>NTa</a:t>
-            </a:r>
+            <a:pPr marL="0" indent="0">
+              <a:buNone/>
+            </a:pPr>
             <a:r>
               <a:rPr lang="it-IT" dirty="0"/>
-              <a:t> </a:t>
-            </a:r>
-            <a:r>
-              <a:rPr lang="it-IT" dirty="0" smtClean="0"/>
-              <a:t>e </a:t>
-            </a:r>
-            <a:r>
-              <a:rPr lang="it-IT" dirty="0" err="1" smtClean="0"/>
-              <a:t>NTb</a:t>
-            </a:r>
-            <a:r>
-              <a:rPr lang="it-IT" dirty="0" smtClean="0"/>
-              <a:t> hanno la stessa altezza e </a:t>
-            </a:r>
-            <a:r>
-              <a:rPr lang="it-IT" dirty="0" err="1" smtClean="0"/>
-              <a:t>NTa</a:t>
-            </a:r>
-            <a:r>
-              <a:rPr lang="it-IT" dirty="0" smtClean="0"/>
-              <a:t> </a:t>
-            </a:r>
-            <a:r>
-              <a:rPr lang="it-IT" dirty="0" err="1" smtClean="0"/>
-              <a:t>NTb</a:t>
-            </a:r>
-            <a:r>
-              <a:rPr lang="it-IT" dirty="0" smtClean="0"/>
-              <a:t> sono la divisione dell’albero T e Mb è il minimo elemento di B</a:t>
-            </a:r>
-            <a:endParaRPr lang="it-IT" dirty="0"/>
-          </a:p>
-          <a:p>
-            <a:pPr marL="0" indent="0">
-              <a:buNone/>
-            </a:pPr>
-            <a:endParaRPr lang="it-IT" b="1" i="1" dirty="0" smtClean="0"/>
-          </a:p>
-          <a:p>
-            <a:pPr marL="0" indent="0">
-              <a:buNone/>
-            </a:pPr>
-            <a:r>
-              <a:rPr lang="it-IT" dirty="0" smtClean="0"/>
-              <a:t> </a:t>
-            </a:r>
+              <a:t>vero se </a:t>
+            </a:r>
+            <a:r>
+              <a:rPr lang="it-IT" dirty="0" err="1"/>
+              <a:t>Tree</a:t>
+            </a:r>
+            <a:r>
+              <a:rPr lang="it-IT" dirty="0"/>
+              <a:t> e </a:t>
+            </a:r>
+            <a:r>
+              <a:rPr lang="it-IT" dirty="0" err="1"/>
+              <a:t>NewTree</a:t>
+            </a:r>
+            <a:r>
+              <a:rPr lang="it-IT" dirty="0"/>
+              <a:t> sono 2-3 </a:t>
+            </a:r>
+            <a:r>
+              <a:rPr lang="it-IT" dirty="0" err="1"/>
+              <a:t>dictionary</a:t>
+            </a:r>
+            <a:r>
+              <a:rPr lang="it-IT" dirty="0"/>
+              <a:t> e </a:t>
+            </a:r>
+            <a:r>
+              <a:rPr lang="it-IT" dirty="0" err="1"/>
+              <a:t>NewTree</a:t>
+            </a:r>
+            <a:r>
+              <a:rPr lang="it-IT" dirty="0"/>
+              <a:t> è </a:t>
+            </a:r>
+            <a:r>
+              <a:rPr lang="it-IT" dirty="0" err="1"/>
+              <a:t>Tree</a:t>
+            </a:r>
+            <a:r>
+              <a:rPr lang="it-IT" dirty="0"/>
+              <a:t> con X</a:t>
+            </a:r>
+          </a:p>
+          <a:p>
+            <a:pPr marL="0" indent="0">
+              <a:buNone/>
+            </a:pPr>
             <a:endParaRPr lang="it-IT" dirty="0"/>
           </a:p>
           <a:p>
@@ -5728,20 +5868,13 @@
     </p:spTree>
     <p:extLst>
       <p:ext uri="{BB962C8B-B14F-4D97-AF65-F5344CB8AC3E}">
-        <p14:creationId xmlns:p14="http://schemas.microsoft.com/office/powerpoint/2010/main" val="94605151"/>
+        <p14:creationId xmlns:p14="http://schemas.microsoft.com/office/powerpoint/2010/main" val="1780807291"/>
       </p:ext>
     </p:extLst>
   </p:cSld>
   <p:clrMapOvr>
     <a:masterClrMapping/>
   </p:clrMapOvr>
-  <p:timing>
-    <p:tnLst>
-      <p:par>
-        <p:cTn id="1" dur="indefinite" restart="never" nodeType="tmRoot"/>
-      </p:par>
-    </p:tnLst>
-  </p:timing>
 </p:sld>
 </file>
 
@@ -5808,6 +5941,143 @@
           <a:bodyPr/>
           <a:lstStyle/>
           <a:p>
+            <a:r>
+              <a:rPr lang="it-IT" dirty="0"/>
+              <a:t>add23(T,X,NT)</a:t>
+            </a:r>
+          </a:p>
+          <a:p>
+            <a:pPr marL="0" indent="0">
+              <a:buNone/>
+            </a:pPr>
+            <a:r>
+              <a:rPr lang="it-IT" dirty="0"/>
+              <a:t>richiede</a:t>
+            </a:r>
+          </a:p>
+          <a:p>
+            <a:pPr marL="0" indent="0">
+              <a:buNone/>
+            </a:pPr>
+            <a:endParaRPr lang="it-IT" b="1" i="1" dirty="0"/>
+          </a:p>
+          <a:p>
+            <a:pPr marL="0" indent="0">
+              <a:buNone/>
+            </a:pPr>
+            <a:r>
+              <a:rPr lang="it-IT" b="1" i="1" dirty="0" err="1"/>
+              <a:t>ins</a:t>
+            </a:r>
+            <a:r>
+              <a:rPr lang="it-IT" b="1" i="1" dirty="0"/>
+              <a:t>(T,X,NT) </a:t>
+            </a:r>
+          </a:p>
+          <a:p>
+            <a:pPr marL="400050" lvl="1" indent="0">
+              <a:buNone/>
+            </a:pPr>
+            <a:r>
+              <a:rPr lang="it-IT" dirty="0"/>
+              <a:t>come sopra ma vero se T e NT hanno la stessa altezza</a:t>
+            </a:r>
+          </a:p>
+          <a:p>
+            <a:pPr marL="0" indent="0">
+              <a:buNone/>
+            </a:pPr>
+            <a:r>
+              <a:rPr lang="it-IT" b="1" i="1" dirty="0"/>
+              <a:t> </a:t>
+            </a:r>
+          </a:p>
+          <a:p>
+            <a:pPr marL="0" indent="0">
+              <a:buNone/>
+            </a:pPr>
+            <a:r>
+              <a:rPr lang="it-IT" b="1" i="1" dirty="0" err="1"/>
+              <a:t>ins</a:t>
+            </a:r>
+            <a:r>
+              <a:rPr lang="it-IT" b="1" i="1" dirty="0"/>
+              <a:t>(</a:t>
+            </a:r>
+            <a:r>
+              <a:rPr lang="it-IT" b="1" i="1" dirty="0" err="1"/>
+              <a:t>T,X,NTa</a:t>
+            </a:r>
+            <a:r>
+              <a:rPr lang="it-IT" b="1" i="1" dirty="0"/>
+              <a:t>, Mb, </a:t>
+            </a:r>
+            <a:r>
+              <a:rPr lang="it-IT" b="1" i="1" dirty="0" err="1"/>
+              <a:t>NTb</a:t>
+            </a:r>
+            <a:r>
+              <a:rPr lang="it-IT" b="1" i="1" dirty="0"/>
+              <a:t>)</a:t>
+            </a:r>
+          </a:p>
+          <a:p>
+            <a:pPr marL="400050" lvl="2" indent="0">
+              <a:buNone/>
+            </a:pPr>
+            <a:r>
+              <a:rPr lang="it-IT" dirty="0"/>
+              <a:t>Vero se T, </a:t>
+            </a:r>
+            <a:r>
+              <a:rPr lang="it-IT" dirty="0" err="1"/>
+              <a:t>NTa</a:t>
+            </a:r>
+            <a:r>
+              <a:rPr lang="it-IT" dirty="0"/>
+              <a:t> e </a:t>
+            </a:r>
+            <a:r>
+              <a:rPr lang="it-IT" dirty="0" err="1"/>
+              <a:t>NTb</a:t>
+            </a:r>
+            <a:r>
+              <a:rPr lang="it-IT" dirty="0"/>
+              <a:t> hanno la stessa altezza e </a:t>
+            </a:r>
+            <a:r>
+              <a:rPr lang="it-IT" dirty="0" err="1"/>
+              <a:t>NTa</a:t>
+            </a:r>
+            <a:r>
+              <a:rPr lang="it-IT" dirty="0"/>
+              <a:t> </a:t>
+            </a:r>
+            <a:r>
+              <a:rPr lang="it-IT" dirty="0" err="1"/>
+              <a:t>NTb</a:t>
+            </a:r>
+            <a:r>
+              <a:rPr lang="it-IT" dirty="0"/>
+              <a:t> sono la divisione dell’albero T e Mb è il minimo elemento di B</a:t>
+            </a:r>
+          </a:p>
+          <a:p>
+            <a:pPr marL="0" indent="0">
+              <a:buNone/>
+            </a:pPr>
+            <a:endParaRPr lang="it-IT" b="1" i="1" dirty="0"/>
+          </a:p>
+          <a:p>
+            <a:pPr marL="0" indent="0">
+              <a:buNone/>
+            </a:pPr>
+            <a:r>
+              <a:rPr lang="it-IT" dirty="0"/>
+              <a:t> </a:t>
+            </a:r>
+          </a:p>
+          <a:p>
             <a:pPr marL="0" indent="0">
               <a:buNone/>
             </a:pPr>
@@ -5815,87 +6085,16 @@
           </a:p>
         </p:txBody>
       </p:sp>
-      <p:pic>
-        <p:nvPicPr>
-          <p:cNvPr id="5122" name="Picture 2"/>
-          <p:cNvPicPr>
-            <a:picLocks noChangeAspect="1" noChangeArrowheads="1"/>
-          </p:cNvPicPr>
-          <p:nvPr/>
-        </p:nvPicPr>
-        <p:blipFill>
-          <a:blip r:embed="rId2">
-            <a:extLst>
-              <a:ext uri="{28A0092B-C50C-407E-A947-70E740481C1C}">
-                <a14:useLocalDpi xmlns:a14="http://schemas.microsoft.com/office/drawing/2010/main" val="0"/>
-              </a:ext>
-            </a:extLst>
-          </a:blip>
-          <a:srcRect/>
-          <a:stretch>
-            <a:fillRect/>
-          </a:stretch>
-        </p:blipFill>
-        <p:spPr bwMode="auto">
-          <a:xfrm rot="5400000">
-            <a:off x="3479900" y="632668"/>
-            <a:ext cx="2111227" cy="6263731"/>
-          </a:xfrm>
-          <a:prstGeom prst="rect">
-            <a:avLst/>
-          </a:prstGeom>
-          <a:noFill/>
-          <a:ln>
-            <a:noFill/>
-          </a:ln>
-          <a:effectLst/>
-          <a:extLst>
-            <a:ext uri="{909E8E84-426E-40DD-AFC4-6F175D3DCCD1}">
-              <a14:hiddenFill xmlns:a14="http://schemas.microsoft.com/office/drawing/2010/main">
-                <a:solidFill>
-                  <a:schemeClr val="accent1"/>
-                </a:solidFill>
-              </a14:hiddenFill>
-            </a:ext>
-            <a:ext uri="{91240B29-F687-4F45-9708-019B960494DF}">
-              <a14:hiddenLine xmlns:a14="http://schemas.microsoft.com/office/drawing/2010/main" w="9525">
-                <a:solidFill>
-                  <a:schemeClr val="tx1"/>
-                </a:solidFill>
-                <a:miter lim="800000"/>
-                <a:headEnd/>
-                <a:tailEnd/>
-              </a14:hiddenLine>
-            </a:ext>
-            <a:ext uri="{AF507438-7753-43E0-B8FC-AC1667EBCBE1}">
-              <a14:hiddenEffects xmlns:a14="http://schemas.microsoft.com/office/drawing/2010/main">
-                <a:effectLst>
-                  <a:outerShdw dist="35921" dir="2700000" algn="ctr" rotWithShape="0">
-                    <a:schemeClr val="bg2"/>
-                  </a:outerShdw>
-                </a:effectLst>
-              </a14:hiddenEffects>
-            </a:ext>
-          </a:extLst>
-        </p:spPr>
-      </p:pic>
     </p:spTree>
     <p:extLst>
       <p:ext uri="{BB962C8B-B14F-4D97-AF65-F5344CB8AC3E}">
-        <p14:creationId xmlns:p14="http://schemas.microsoft.com/office/powerpoint/2010/main" val="600859000"/>
+        <p14:creationId xmlns:p14="http://schemas.microsoft.com/office/powerpoint/2010/main" val="94605151"/>
       </p:ext>
     </p:extLst>
   </p:cSld>
   <p:clrMapOvr>
     <a:masterClrMapping/>
   </p:clrMapOvr>
-  <p:timing>
-    <p:tnLst>
-      <p:par>
-        <p:cTn id="1" dur="indefinite" restart="never" nodeType="tmRoot"/>
-      </p:par>
-    </p:tnLst>
-  </p:timing>
 </p:sld>
 </file>
 
